--- a/Adobe PhoneGap Build course - 6.16.14/Matt Netkow - AGP Guest Speaker - App Design.pptx
+++ b/Adobe PhoneGap Build course - 6.16.14/Matt Netkow - AGP Guest Speaker - App Design.pptx
@@ -6,7 +6,9 @@
   </p:sldMasterIdLst>
   <p:sldIdLst>
     <p:sldId id="256" r:id="rId2"/>
-    <p:sldId id="257" r:id="rId3"/>
+    <p:sldId id="258" r:id="rId3"/>
+    <p:sldId id="257" r:id="rId4"/>
+    <p:sldId id="259" r:id="rId5"/>
   </p:sldIdLst>
   <p:sldSz cx="9144000" cy="6858000" type="screen4x3"/>
   <p:notesSz cx="6858000" cy="9144000"/>
@@ -3350,8 +3352,8 @@
         </p:nvSpPr>
         <p:spPr>
           <a:xfrm>
-            <a:off x="5181600" y="2667000"/>
-            <a:ext cx="3200400" cy="1754326"/>
+            <a:off x="4953000" y="3075709"/>
+            <a:ext cx="4343400" cy="2308324"/>
           </a:xfrm>
           <a:prstGeom prst="rect">
             <a:avLst/>
@@ -3365,55 +3367,137 @@
           <a:lstStyle/>
           <a:p>
             <a:r>
-              <a:rPr lang="en-US" dirty="0" smtClean="0"/>
+              <a:rPr lang="en-US" sz="2400" dirty="0" smtClean="0"/>
               <a:t>Matt </a:t>
             </a:r>
             <a:r>
-              <a:rPr lang="en-US" dirty="0" err="1" smtClean="0"/>
+              <a:rPr lang="en-US" sz="2400" dirty="0" err="1" smtClean="0"/>
               <a:t>Netkow</a:t>
             </a:r>
-            <a:endParaRPr lang="en-US" dirty="0" smtClean="0"/>
-          </a:p>
-          <a:p>
-            <a:r>
-              <a:rPr lang="en-US" dirty="0" smtClean="0"/>
+            <a:endParaRPr lang="en-US" sz="2400" dirty="0" smtClean="0"/>
+          </a:p>
+          <a:p>
+            <a:r>
+              <a:rPr lang="en-US" sz="2400" dirty="0" smtClean="0"/>
               <a:t>Developer/Founder, </a:t>
             </a:r>
             <a:r>
-              <a:rPr lang="en-US" dirty="0" err="1" smtClean="0"/>
+              <a:rPr lang="en-US" sz="2400" dirty="0" err="1" smtClean="0"/>
               <a:t>Netkosoft</a:t>
             </a:r>
-            <a:endParaRPr lang="en-US" dirty="0" smtClean="0"/>
-          </a:p>
-          <a:p>
-            <a:endParaRPr lang="en-US" dirty="0"/>
-          </a:p>
-          <a:p>
-            <a:r>
-              <a:rPr lang="en-US" dirty="0" smtClean="0"/>
+            <a:endParaRPr lang="en-US" sz="2400" dirty="0" smtClean="0"/>
+          </a:p>
+          <a:p>
+            <a:endParaRPr lang="en-US" sz="2400" dirty="0"/>
+          </a:p>
+          <a:p>
+            <a:r>
+              <a:rPr lang="en-US" sz="2400" dirty="0" smtClean="0"/>
               <a:t>www.netkow.com</a:t>
             </a:r>
           </a:p>
           <a:p>
             <a:r>
-              <a:rPr lang="en-US" dirty="0" smtClean="0"/>
+              <a:rPr lang="en-US" sz="2400" dirty="0" smtClean="0"/>
               <a:t>@</a:t>
             </a:r>
             <a:r>
-              <a:rPr lang="en-US" dirty="0" err="1" smtClean="0"/>
+              <a:rPr lang="en-US" sz="2400" dirty="0" err="1" smtClean="0"/>
               <a:t>dotNetkow</a:t>
             </a:r>
-            <a:endParaRPr lang="en-US" dirty="0" smtClean="0"/>
-          </a:p>
-          <a:p>
-            <a:r>
-              <a:rPr lang="en-US" dirty="0" smtClean="0"/>
+            <a:endParaRPr lang="en-US" sz="2400" dirty="0" smtClean="0"/>
+          </a:p>
+          <a:p>
+            <a:r>
+              <a:rPr lang="en-US" sz="2400" dirty="0" smtClean="0"/>
               <a:t>matt.netkow@gmail.com</a:t>
             </a:r>
-            <a:endParaRPr lang="en-US" dirty="0"/>
-          </a:p>
-        </p:txBody>
-      </p:sp>
+            <a:endParaRPr lang="en-US" sz="2400" dirty="0"/>
+          </a:p>
+        </p:txBody>
+      </p:sp>
+      <p:pic>
+        <p:nvPicPr>
+          <p:cNvPr id="1026" name="Picture 2" descr="Matthew Netkow"/>
+          <p:cNvPicPr>
+            <a:picLocks noChangeAspect="1" noChangeArrowheads="1"/>
+          </p:cNvPicPr>
+          <p:nvPr/>
+        </p:nvPicPr>
+        <p:blipFill>
+          <a:blip r:embed="rId2">
+            <a:extLst>
+              <a:ext uri="{28A0092B-C50C-407E-A947-70E740481C1C}">
+                <a14:useLocalDpi xmlns:a14="http://schemas.microsoft.com/office/drawing/2010/main" val="0"/>
+              </a:ext>
+            </a:extLst>
+          </a:blip>
+          <a:srcRect/>
+          <a:stretch>
+            <a:fillRect/>
+          </a:stretch>
+        </p:blipFill>
+        <p:spPr bwMode="auto">
+          <a:xfrm>
+            <a:off x="2514600" y="3113809"/>
+            <a:ext cx="2296391" cy="2296391"/>
+          </a:xfrm>
+          <a:prstGeom prst="rect">
+            <a:avLst/>
+          </a:prstGeom>
+          <a:noFill/>
+          <a:extLst>
+            <a:ext uri="{909E8E84-426E-40DD-AFC4-6F175D3DCCD1}">
+              <a14:hiddenFill xmlns:a14="http://schemas.microsoft.com/office/drawing/2010/main">
+                <a:solidFill>
+                  <a:srgbClr val="FFFFFF"/>
+                </a:solidFill>
+              </a14:hiddenFill>
+            </a:ext>
+          </a:extLst>
+        </p:spPr>
+      </p:pic>
+      <p:pic>
+        <p:nvPicPr>
+          <p:cNvPr id="1027" name="Picture 3" descr="C:\sourcecode\fitwatcher\fitwatcher\Fitwatcher\icon.png"/>
+          <p:cNvPicPr>
+            <a:picLocks noChangeAspect="1" noChangeArrowheads="1"/>
+          </p:cNvPicPr>
+          <p:nvPr/>
+        </p:nvPicPr>
+        <p:blipFill>
+          <a:blip r:embed="rId3">
+            <a:extLst>
+              <a:ext uri="{28A0092B-C50C-407E-A947-70E740481C1C}">
+                <a14:useLocalDpi xmlns:a14="http://schemas.microsoft.com/office/drawing/2010/main" val="0"/>
+              </a:ext>
+            </a:extLst>
+          </a:blip>
+          <a:srcRect/>
+          <a:stretch>
+            <a:fillRect/>
+          </a:stretch>
+        </p:blipFill>
+        <p:spPr bwMode="auto">
+          <a:xfrm>
+            <a:off x="152400" y="3124200"/>
+            <a:ext cx="2224606" cy="2224606"/>
+          </a:xfrm>
+          <a:prstGeom prst="rect">
+            <a:avLst/>
+          </a:prstGeom>
+          <a:noFill/>
+          <a:extLst>
+            <a:ext uri="{909E8E84-426E-40DD-AFC4-6F175D3DCCD1}">
+              <a14:hiddenFill xmlns:a14="http://schemas.microsoft.com/office/drawing/2010/main">
+                <a:solidFill>
+                  <a:srgbClr val="FFFFFF"/>
+                </a:solidFill>
+              </a14:hiddenFill>
+            </a:ext>
+          </a:extLst>
+        </p:spPr>
+      </p:pic>
     </p:spTree>
     <p:extLst>
       <p:ext uri="{BB962C8B-B14F-4D97-AF65-F5344CB8AC3E}">
@@ -3424,6 +3508,13 @@
   <p:clrMapOvr>
     <a:masterClrMapping/>
   </p:clrMapOvr>
+  <p:timing>
+    <p:tnLst>
+      <p:par>
+        <p:cTn id="1" dur="indefinite" restart="never" nodeType="tmRoot"/>
+      </p:par>
+    </p:tnLst>
+  </p:timing>
 </p:sld>
 </file>
 
@@ -3446,17 +3537,288 @@
       </p:grpSpPr>
       <p:sp>
         <p:nvSpPr>
-          <p:cNvPr id="2" name="Content Placeholder 1"/>
-          <p:cNvSpPr>
-            <a:spLocks noGrp="1"/>
-          </p:cNvSpPr>
-          <p:nvPr>
-            <p:ph sz="quarter" idx="13"/>
-          </p:nvPr>
-        </p:nvSpPr>
-        <p:spPr/>
-        <p:txBody>
-          <a:bodyPr/>
+          <p:cNvPr id="3" name="Title 2"/>
+          <p:cNvSpPr>
+            <a:spLocks noGrp="1"/>
+          </p:cNvSpPr>
+          <p:nvPr>
+            <p:ph type="title"/>
+          </p:nvPr>
+        </p:nvSpPr>
+        <p:spPr>
+          <a:xfrm>
+            <a:off x="3429000" y="152400"/>
+            <a:ext cx="2073348" cy="609600"/>
+          </a:xfrm>
+        </p:spPr>
+        <p:txBody>
+          <a:bodyPr/>
+          <a:lstStyle/>
+          <a:p>
+            <a:pPr algn="ctr"/>
+            <a:r>
+              <a:rPr lang="en-US" dirty="0" smtClean="0"/>
+              <a:t>About me</a:t>
+            </a:r>
+            <a:endParaRPr lang="en-US" dirty="0"/>
+          </a:p>
+        </p:txBody>
+      </p:sp>
+      <p:sp>
+        <p:nvSpPr>
+          <p:cNvPr id="4" name="TextBox 3"/>
+          <p:cNvSpPr txBox="1"/>
+          <p:nvPr/>
+        </p:nvSpPr>
+        <p:spPr>
+          <a:xfrm>
+            <a:off x="457200" y="1143000"/>
+            <a:ext cx="7924800" cy="2092881"/>
+          </a:xfrm>
+          <a:prstGeom prst="rect">
+            <a:avLst/>
+          </a:prstGeom>
+          <a:noFill/>
+        </p:spPr>
+        <p:txBody>
+          <a:bodyPr wrap="square" rtlCol="0">
+            <a:spAutoFit/>
+          </a:bodyPr>
+          <a:lstStyle/>
+          <a:p>
+            <a:pPr marL="285750" indent="-285750">
+              <a:buFont typeface="Arial" panose="020B0604020202020204" pitchFamily="34" charset="0"/>
+              <a:buChar char="•"/>
+            </a:pPr>
+            <a:r>
+              <a:rPr lang="en-US" sz="2600" dirty="0" smtClean="0"/>
+              <a:t>Senior Developer for The SAVO Group – 5 years</a:t>
+            </a:r>
+          </a:p>
+          <a:p>
+            <a:pPr marL="742950" lvl="1" indent="-285750">
+              <a:buFont typeface="Arial" panose="020B0604020202020204" pitchFamily="34" charset="0"/>
+              <a:buChar char="•"/>
+            </a:pPr>
+            <a:r>
+              <a:rPr lang="en-US" sz="2600" dirty="0" smtClean="0"/>
+              <a:t>Backend development: automation, tools</a:t>
+            </a:r>
+          </a:p>
+          <a:p>
+            <a:pPr marL="285750" indent="-285750">
+              <a:buFont typeface="Arial" panose="020B0604020202020204" pitchFamily="34" charset="0"/>
+              <a:buChar char="•"/>
+            </a:pPr>
+            <a:r>
+              <a:rPr lang="en-US" sz="2600" dirty="0" smtClean="0"/>
+              <a:t>Mobile app development side projects</a:t>
+            </a:r>
+          </a:p>
+          <a:p>
+            <a:pPr marL="742950" lvl="1" indent="-285750">
+              <a:buFont typeface="Arial" panose="020B0604020202020204" pitchFamily="34" charset="0"/>
+              <a:buChar char="•"/>
+            </a:pPr>
+            <a:r>
+              <a:rPr lang="en-US" sz="2600" dirty="0" smtClean="0"/>
+              <a:t>Switched to front-end </a:t>
+            </a:r>
+            <a:r>
+              <a:rPr lang="en-US" sz="2600" dirty="0" err="1" smtClean="0"/>
+              <a:t>dev</a:t>
+            </a:r>
+            <a:endParaRPr lang="en-US" sz="2600" dirty="0" smtClean="0"/>
+          </a:p>
+          <a:p>
+            <a:pPr marL="285750" indent="-285750">
+              <a:buFont typeface="Arial" panose="020B0604020202020204" pitchFamily="34" charset="0"/>
+              <a:buChar char="•"/>
+            </a:pPr>
+            <a:endParaRPr lang="en-US" sz="2600" dirty="0"/>
+          </a:p>
+        </p:txBody>
+      </p:sp>
+    </p:spTree>
+    <p:extLst>
+      <p:ext uri="{BB962C8B-B14F-4D97-AF65-F5344CB8AC3E}">
+        <p14:creationId xmlns:p14="http://schemas.microsoft.com/office/powerpoint/2010/main" val="1034644854"/>
+      </p:ext>
+    </p:extLst>
+  </p:cSld>
+  <p:clrMapOvr>
+    <a:masterClrMapping/>
+  </p:clrMapOvr>
+  <p:timing>
+    <p:tnLst>
+      <p:par>
+        <p:cTn id="1" dur="indefinite" restart="never" nodeType="tmRoot"/>
+      </p:par>
+    </p:tnLst>
+  </p:timing>
+</p:sld>
+</file>
+
+<file path=ppt/slides/slide3.xml><?xml version="1.0" encoding="utf-8"?>
+<p:sld xmlns:a="http://schemas.openxmlformats.org/drawingml/2006/main" xmlns:r="http://schemas.openxmlformats.org/officeDocument/2006/relationships" xmlns:p="http://schemas.openxmlformats.org/presentationml/2006/main">
+  <p:cSld>
+    <p:spTree>
+      <p:nvGrpSpPr>
+        <p:cNvPr id="1" name=""/>
+        <p:cNvGrpSpPr/>
+        <p:nvPr/>
+      </p:nvGrpSpPr>
+      <p:grpSpPr>
+        <a:xfrm>
+          <a:off x="0" y="0"/>
+          <a:ext cx="0" cy="0"/>
+          <a:chOff x="0" y="0"/>
+          <a:chExt cx="0" cy="0"/>
+        </a:xfrm>
+      </p:grpSpPr>
+      <p:sp>
+        <p:nvSpPr>
+          <p:cNvPr id="3" name="Title 2"/>
+          <p:cNvSpPr>
+            <a:spLocks noGrp="1"/>
+          </p:cNvSpPr>
+          <p:nvPr>
+            <p:ph type="title"/>
+          </p:nvPr>
+        </p:nvSpPr>
+        <p:spPr>
+          <a:xfrm>
+            <a:off x="3733800" y="228600"/>
+            <a:ext cx="1600200" cy="471055"/>
+          </a:xfrm>
+        </p:spPr>
+        <p:txBody>
+          <a:bodyPr/>
+          <a:lstStyle/>
+          <a:p>
+            <a:r>
+              <a:rPr lang="en-US" dirty="0" smtClean="0"/>
+              <a:t>Versions</a:t>
+            </a:r>
+            <a:endParaRPr lang="en-US" dirty="0"/>
+          </a:p>
+        </p:txBody>
+      </p:sp>
+      <p:pic>
+        <p:nvPicPr>
+          <p:cNvPr id="2050" name="Picture 2" descr="https://s4.mzstatic.com/us/r30/Purple/v4/19/a1/11/19a11158-9c6c-bdcb-ae3f-85d89d51a539/mzl.ckfjgpxo.png?downloadKey=1402969696_b1547a092671ba7d7c1ded8edb08406c"/>
+          <p:cNvPicPr>
+            <a:picLocks noChangeAspect="1" noChangeArrowheads="1"/>
+          </p:cNvPicPr>
+          <p:nvPr/>
+        </p:nvPicPr>
+        <p:blipFill>
+          <a:blip r:embed="rId2">
+            <a:extLst>
+              <a:ext uri="{28A0092B-C50C-407E-A947-70E740481C1C}">
+                <a14:useLocalDpi xmlns:a14="http://schemas.microsoft.com/office/drawing/2010/main" val="0"/>
+              </a:ext>
+            </a:extLst>
+          </a:blip>
+          <a:srcRect/>
+          <a:stretch>
+            <a:fillRect/>
+          </a:stretch>
+        </p:blipFill>
+        <p:spPr bwMode="auto">
+          <a:xfrm>
+            <a:off x="3119907" y="1676400"/>
+            <a:ext cx="2747493" cy="4876800"/>
+          </a:xfrm>
+          <a:prstGeom prst="rect">
+            <a:avLst/>
+          </a:prstGeom>
+          <a:noFill/>
+          <a:extLst>
+            <a:ext uri="{909E8E84-426E-40DD-AFC4-6F175D3DCCD1}">
+              <a14:hiddenFill xmlns:a14="http://schemas.microsoft.com/office/drawing/2010/main">
+                <a:solidFill>
+                  <a:srgbClr val="FFFFFF"/>
+                </a:solidFill>
+              </a14:hiddenFill>
+            </a:ext>
+          </a:extLst>
+        </p:spPr>
+      </p:pic>
+      <p:pic>
+        <p:nvPicPr>
+          <p:cNvPr id="2052" name="Picture 4" descr="1 of 4"/>
+          <p:cNvPicPr>
+            <a:picLocks noChangeAspect="1" noChangeArrowheads="1"/>
+          </p:cNvPicPr>
+          <p:nvPr/>
+        </p:nvPicPr>
+        <p:blipFill>
+          <a:blip r:embed="rId3">
+            <a:extLst>
+              <a:ext uri="{28A0092B-C50C-407E-A947-70E740481C1C}">
+                <a14:useLocalDpi xmlns:a14="http://schemas.microsoft.com/office/drawing/2010/main" val="0"/>
+              </a:ext>
+            </a:extLst>
+          </a:blip>
+          <a:srcRect/>
+          <a:stretch>
+            <a:fillRect/>
+          </a:stretch>
+        </p:blipFill>
+        <p:spPr bwMode="auto">
+          <a:xfrm>
+            <a:off x="6096000" y="1676400"/>
+            <a:ext cx="2927860" cy="4876800"/>
+          </a:xfrm>
+          <a:prstGeom prst="rect">
+            <a:avLst/>
+          </a:prstGeom>
+          <a:noFill/>
+          <a:extLst>
+            <a:ext uri="{909E8E84-426E-40DD-AFC4-6F175D3DCCD1}">
+              <a14:hiddenFill xmlns:a14="http://schemas.microsoft.com/office/drawing/2010/main">
+                <a:solidFill>
+                  <a:srgbClr val="FFFFFF"/>
+                </a:solidFill>
+              </a14:hiddenFill>
+            </a:ext>
+          </a:extLst>
+        </p:spPr>
+      </p:pic>
+      <p:sp>
+        <p:nvSpPr>
+          <p:cNvPr id="4" name="AutoShape 6" descr="Fitwatchr for Fitbit - screenshot"/>
+          <p:cNvSpPr>
+            <a:spLocks noChangeAspect="1" noChangeArrowheads="1"/>
+          </p:cNvSpPr>
+          <p:nvPr/>
+        </p:nvSpPr>
+        <p:spPr bwMode="auto">
+          <a:xfrm>
+            <a:off x="155575" y="-144463"/>
+            <a:ext cx="304800" cy="304801"/>
+          </a:xfrm>
+          <a:prstGeom prst="rect">
+            <a:avLst/>
+          </a:prstGeom>
+          <a:noFill/>
+          <a:extLst>
+            <a:ext uri="{909E8E84-426E-40DD-AFC4-6F175D3DCCD1}">
+              <a14:hiddenFill xmlns:a14="http://schemas.microsoft.com/office/drawing/2010/main">
+                <a:solidFill>
+                  <a:srgbClr val="FFFFFF"/>
+                </a:solidFill>
+              </a14:hiddenFill>
+            </a:ext>
+          </a:extLst>
+        </p:spPr>
+        <p:txBody>
+          <a:bodyPr vert="horz" wrap="square" lIns="91440" tIns="45720" rIns="91440" bIns="45720" numCol="1" anchor="t" anchorCtr="0" compatLnSpc="1">
+            <a:prstTxWarp prst="textNoShape">
+              <a:avLst/>
+            </a:prstTxWarp>
+          </a:bodyPr>
           <a:lstStyle/>
           <a:p>
             <a:endParaRPr lang="en-US"/>
@@ -3465,20 +3827,163 @@
       </p:sp>
       <p:sp>
         <p:nvSpPr>
-          <p:cNvPr id="3" name="Title 2"/>
-          <p:cNvSpPr>
-            <a:spLocks noGrp="1"/>
-          </p:cNvSpPr>
-          <p:nvPr>
-            <p:ph type="title"/>
-          </p:nvPr>
-        </p:nvSpPr>
-        <p:spPr/>
-        <p:txBody>
-          <a:bodyPr/>
+          <p:cNvPr id="5" name="AutoShape 8" descr="Fitwatchr for Fitbit - screenshot"/>
+          <p:cNvSpPr>
+            <a:spLocks noChangeAspect="1" noChangeArrowheads="1"/>
+          </p:cNvSpPr>
+          <p:nvPr/>
+        </p:nvSpPr>
+        <p:spPr bwMode="auto">
+          <a:xfrm>
+            <a:off x="307975" y="7937"/>
+            <a:ext cx="304800" cy="304801"/>
+          </a:xfrm>
+          <a:prstGeom prst="rect">
+            <a:avLst/>
+          </a:prstGeom>
+          <a:noFill/>
+          <a:extLst>
+            <a:ext uri="{909E8E84-426E-40DD-AFC4-6F175D3DCCD1}">
+              <a14:hiddenFill xmlns:a14="http://schemas.microsoft.com/office/drawing/2010/main">
+                <a:solidFill>
+                  <a:srgbClr val="FFFFFF"/>
+                </a:solidFill>
+              </a14:hiddenFill>
+            </a:ext>
+          </a:extLst>
+        </p:spPr>
+        <p:txBody>
+          <a:bodyPr vert="horz" wrap="square" lIns="91440" tIns="45720" rIns="91440" bIns="45720" numCol="1" anchor="t" anchorCtr="0" compatLnSpc="1">
+            <a:prstTxWarp prst="textNoShape">
+              <a:avLst/>
+            </a:prstTxWarp>
+          </a:bodyPr>
           <a:lstStyle/>
           <a:p>
             <a:endParaRPr lang="en-US"/>
+          </a:p>
+        </p:txBody>
+      </p:sp>
+      <p:sp>
+        <p:nvSpPr>
+          <p:cNvPr id="6" name="AutoShape 10" descr="Fitwatchr for Fitbit - screenshot"/>
+          <p:cNvSpPr>
+            <a:spLocks noChangeAspect="1" noChangeArrowheads="1"/>
+          </p:cNvSpPr>
+          <p:nvPr/>
+        </p:nvSpPr>
+        <p:spPr bwMode="auto">
+          <a:xfrm>
+            <a:off x="460375" y="160337"/>
+            <a:ext cx="304800" cy="304801"/>
+          </a:xfrm>
+          <a:prstGeom prst="rect">
+            <a:avLst/>
+          </a:prstGeom>
+          <a:noFill/>
+          <a:extLst>
+            <a:ext uri="{909E8E84-426E-40DD-AFC4-6F175D3DCCD1}">
+              <a14:hiddenFill xmlns:a14="http://schemas.microsoft.com/office/drawing/2010/main">
+                <a:solidFill>
+                  <a:srgbClr val="FFFFFF"/>
+                </a:solidFill>
+              </a14:hiddenFill>
+            </a:ext>
+          </a:extLst>
+        </p:spPr>
+        <p:txBody>
+          <a:bodyPr vert="horz" wrap="square" lIns="91440" tIns="45720" rIns="91440" bIns="45720" numCol="1" anchor="t" anchorCtr="0" compatLnSpc="1">
+            <a:prstTxWarp prst="textNoShape">
+              <a:avLst/>
+            </a:prstTxWarp>
+          </a:bodyPr>
+          <a:lstStyle/>
+          <a:p>
+            <a:endParaRPr lang="en-US"/>
+          </a:p>
+        </p:txBody>
+      </p:sp>
+      <p:pic>
+        <p:nvPicPr>
+          <p:cNvPr id="2059" name="Picture 11"/>
+          <p:cNvPicPr>
+            <a:picLocks noChangeAspect="1" noChangeArrowheads="1"/>
+          </p:cNvPicPr>
+          <p:nvPr/>
+        </p:nvPicPr>
+        <p:blipFill>
+          <a:blip r:embed="rId4">
+            <a:extLst>
+              <a:ext uri="{28A0092B-C50C-407E-A947-70E740481C1C}">
+                <a14:useLocalDpi xmlns:a14="http://schemas.microsoft.com/office/drawing/2010/main" val="0"/>
+              </a:ext>
+            </a:extLst>
+          </a:blip>
+          <a:srcRect/>
+          <a:stretch>
+            <a:fillRect/>
+          </a:stretch>
+        </p:blipFill>
+        <p:spPr bwMode="auto">
+          <a:xfrm>
+            <a:off x="207500" y="1676400"/>
+            <a:ext cx="2688100" cy="4836688"/>
+          </a:xfrm>
+          <a:prstGeom prst="rect">
+            <a:avLst/>
+          </a:prstGeom>
+          <a:noFill/>
+          <a:ln>
+            <a:noFill/>
+          </a:ln>
+          <a:extLst>
+            <a:ext uri="{909E8E84-426E-40DD-AFC4-6F175D3DCCD1}">
+              <a14:hiddenFill xmlns:a14="http://schemas.microsoft.com/office/drawing/2010/main">
+                <a:solidFill>
+                  <a:schemeClr val="accent1"/>
+                </a:solidFill>
+              </a14:hiddenFill>
+            </a:ext>
+            <a:ext uri="{91240B29-F687-4F45-9708-019B960494DF}">
+              <a14:hiddenLine xmlns:a14="http://schemas.microsoft.com/office/drawing/2010/main" w="9525">
+                <a:solidFill>
+                  <a:schemeClr val="tx1"/>
+                </a:solidFill>
+                <a:miter lim="800000"/>
+                <a:headEnd/>
+                <a:tailEnd/>
+              </a14:hiddenLine>
+            </a:ext>
+          </a:extLst>
+        </p:spPr>
+      </p:pic>
+      <p:sp>
+        <p:nvSpPr>
+          <p:cNvPr id="7" name="TextBox 6"/>
+          <p:cNvSpPr txBox="1"/>
+          <p:nvPr/>
+        </p:nvSpPr>
+        <p:spPr>
+          <a:xfrm>
+            <a:off x="381000" y="1078468"/>
+            <a:ext cx="8455025" cy="369332"/>
+          </a:xfrm>
+          <a:prstGeom prst="rect">
+            <a:avLst/>
+          </a:prstGeom>
+          <a:noFill/>
+        </p:spPr>
+        <p:txBody>
+          <a:bodyPr wrap="square" rtlCol="0">
+            <a:spAutoFit/>
+          </a:bodyPr>
+          <a:lstStyle/>
+          <a:p>
+            <a:r>
+              <a:rPr lang="en-US" dirty="0" smtClean="0"/>
+              <a:t>            Android			iPhone			Windows Phone</a:t>
+            </a:r>
+            <a:endParaRPr lang="en-US" dirty="0"/>
           </a:p>
         </p:txBody>
       </p:sp>
@@ -3492,6 +3997,88 @@
   <p:clrMapOvr>
     <a:masterClrMapping/>
   </p:clrMapOvr>
+  <p:timing>
+    <p:tnLst>
+      <p:par>
+        <p:cTn id="1" dur="indefinite" restart="never" nodeType="tmRoot"/>
+      </p:par>
+    </p:tnLst>
+  </p:timing>
+</p:sld>
+</file>
+
+<file path=ppt/slides/slide4.xml><?xml version="1.0" encoding="utf-8"?>
+<p:sld xmlns:a="http://schemas.openxmlformats.org/drawingml/2006/main" xmlns:r="http://schemas.openxmlformats.org/officeDocument/2006/relationships" xmlns:p="http://schemas.openxmlformats.org/presentationml/2006/main">
+  <p:cSld>
+    <p:spTree>
+      <p:nvGrpSpPr>
+        <p:cNvPr id="1" name=""/>
+        <p:cNvGrpSpPr/>
+        <p:nvPr/>
+      </p:nvGrpSpPr>
+      <p:grpSpPr>
+        <a:xfrm>
+          <a:off x="0" y="0"/>
+          <a:ext cx="0" cy="0"/>
+          <a:chOff x="0" y="0"/>
+          <a:chExt cx="0" cy="0"/>
+        </a:xfrm>
+      </p:grpSpPr>
+      <p:sp>
+        <p:nvSpPr>
+          <p:cNvPr id="2" name="Content Placeholder 1"/>
+          <p:cNvSpPr>
+            <a:spLocks noGrp="1"/>
+          </p:cNvSpPr>
+          <p:nvPr>
+            <p:ph sz="quarter" idx="13"/>
+          </p:nvPr>
+        </p:nvSpPr>
+        <p:spPr/>
+        <p:txBody>
+          <a:bodyPr/>
+          <a:lstStyle/>
+          <a:p>
+            <a:endParaRPr lang="en-US"/>
+          </a:p>
+        </p:txBody>
+      </p:sp>
+      <p:sp>
+        <p:nvSpPr>
+          <p:cNvPr id="3" name="Title 2"/>
+          <p:cNvSpPr>
+            <a:spLocks noGrp="1"/>
+          </p:cNvSpPr>
+          <p:nvPr>
+            <p:ph type="title"/>
+          </p:nvPr>
+        </p:nvSpPr>
+        <p:spPr/>
+        <p:txBody>
+          <a:bodyPr/>
+          <a:lstStyle/>
+          <a:p>
+            <a:endParaRPr lang="en-US"/>
+          </a:p>
+        </p:txBody>
+      </p:sp>
+    </p:spTree>
+    <p:extLst>
+      <p:ext uri="{BB962C8B-B14F-4D97-AF65-F5344CB8AC3E}">
+        <p14:creationId xmlns:p14="http://schemas.microsoft.com/office/powerpoint/2010/main" val="2042000057"/>
+      </p:ext>
+    </p:extLst>
+  </p:cSld>
+  <p:clrMapOvr>
+    <a:masterClrMapping/>
+  </p:clrMapOvr>
+  <p:timing>
+    <p:tnLst>
+      <p:par>
+        <p:cTn id="1" dur="indefinite" restart="never" nodeType="tmRoot"/>
+      </p:par>
+    </p:tnLst>
+  </p:timing>
 </p:sld>
 </file>
 

--- a/Adobe PhoneGap Build course - 6.16.14/Matt Netkow - AGP Guest Speaker - App Design.pptx
+++ b/Adobe PhoneGap Build course - 6.16.14/Matt Netkow - AGP Guest Speaker - App Design.pptx
@@ -7,8 +7,13 @@
   <p:sldIdLst>
     <p:sldId id="256" r:id="rId2"/>
     <p:sldId id="258" r:id="rId3"/>
-    <p:sldId id="257" r:id="rId4"/>
+    <p:sldId id="260" r:id="rId4"/>
     <p:sldId id="259" r:id="rId5"/>
+    <p:sldId id="257" r:id="rId6"/>
+    <p:sldId id="261" r:id="rId7"/>
+    <p:sldId id="262" r:id="rId8"/>
+    <p:sldId id="263" r:id="rId9"/>
+    <p:sldId id="264" r:id="rId10"/>
   </p:sldIdLst>
   <p:sldSz cx="9144000" cy="6858000" type="screen4x3"/>
   <p:notesSz cx="6858000" cy="9144000"/>
@@ -299,7 +304,7 @@
           <a:p>
             <a:fld id="{34ED9B13-E5A7-4F15-9144-85834FFDF6F3}" type="datetimeFigureOut">
               <a:rPr lang="en-US" smtClean="0"/>
-              <a:t>6/9/2014</a:t>
+              <a:t>6/10/2014</a:t>
             </a:fld>
             <a:endParaRPr lang="en-US"/>
           </a:p>
@@ -476,7 +481,7 @@
           <a:p>
             <a:fld id="{34ED9B13-E5A7-4F15-9144-85834FFDF6F3}" type="datetimeFigureOut">
               <a:rPr lang="en-US" smtClean="0"/>
-              <a:t>6/9/2014</a:t>
+              <a:t>6/10/2014</a:t>
             </a:fld>
             <a:endParaRPr lang="en-US"/>
           </a:p>
@@ -674,7 +679,7 @@
           <a:p>
             <a:fld id="{34ED9B13-E5A7-4F15-9144-85834FFDF6F3}" type="datetimeFigureOut">
               <a:rPr lang="en-US" smtClean="0"/>
-              <a:t>6/9/2014</a:t>
+              <a:t>6/10/2014</a:t>
             </a:fld>
             <a:endParaRPr lang="en-US"/>
           </a:p>
@@ -828,7 +833,7 @@
           <a:p>
             <a:fld id="{34ED9B13-E5A7-4F15-9144-85834FFDF6F3}" type="datetimeFigureOut">
               <a:rPr lang="en-US" smtClean="0"/>
-              <a:t>6/9/2014</a:t>
+              <a:t>6/10/2014</a:t>
             </a:fld>
             <a:endParaRPr lang="en-US"/>
           </a:p>
@@ -872,7 +877,7 @@
           <a:bodyPr/>
           <a:lstStyle/>
           <a:p>
-            <a:endParaRPr lang="en-US"/>
+            <a:endParaRPr lang="en-US" dirty="0"/>
           </a:p>
         </p:txBody>
       </p:sp>
@@ -1103,7 +1108,7 @@
           <a:p>
             <a:fld id="{34ED9B13-E5A7-4F15-9144-85834FFDF6F3}" type="datetimeFigureOut">
               <a:rPr lang="en-US" smtClean="0"/>
-              <a:t>6/9/2014</a:t>
+              <a:t>6/10/2014</a:t>
             </a:fld>
             <a:endParaRPr lang="en-US"/>
           </a:p>
@@ -1402,7 +1407,7 @@
           <a:p>
             <a:fld id="{34ED9B13-E5A7-4F15-9144-85834FFDF6F3}" type="datetimeFigureOut">
               <a:rPr lang="en-US" smtClean="0"/>
-              <a:t>6/9/2014</a:t>
+              <a:t>6/10/2014</a:t>
             </a:fld>
             <a:endParaRPr lang="en-US"/>
           </a:p>
@@ -1844,7 +1849,7 @@
           <a:p>
             <a:fld id="{34ED9B13-E5A7-4F15-9144-85834FFDF6F3}" type="datetimeFigureOut">
               <a:rPr lang="en-US" smtClean="0"/>
-              <a:t>6/9/2014</a:t>
+              <a:t>6/10/2014</a:t>
             </a:fld>
             <a:endParaRPr lang="en-US"/>
           </a:p>
@@ -1951,7 +1956,7 @@
           <a:p>
             <a:fld id="{34ED9B13-E5A7-4F15-9144-85834FFDF6F3}" type="datetimeFigureOut">
               <a:rPr lang="en-US" smtClean="0"/>
-              <a:t>6/9/2014</a:t>
+              <a:t>6/10/2014</a:t>
             </a:fld>
             <a:endParaRPr lang="en-US"/>
           </a:p>
@@ -2071,7 +2076,7 @@
           <a:p>
             <a:fld id="{34ED9B13-E5A7-4F15-9144-85834FFDF6F3}" type="datetimeFigureOut">
               <a:rPr lang="en-US" smtClean="0"/>
-              <a:t>6/9/2014</a:t>
+              <a:t>6/10/2014</a:t>
             </a:fld>
             <a:endParaRPr lang="en-US"/>
           </a:p>
@@ -2356,7 +2361,7 @@
           <a:p>
             <a:fld id="{34ED9B13-E5A7-4F15-9144-85834FFDF6F3}" type="datetimeFigureOut">
               <a:rPr lang="en-US" smtClean="0"/>
-              <a:t>6/9/2014</a:t>
+              <a:t>6/10/2014</a:t>
             </a:fld>
             <a:endParaRPr lang="en-US"/>
           </a:p>
@@ -2627,7 +2632,7 @@
           <a:p>
             <a:fld id="{34ED9B13-E5A7-4F15-9144-85834FFDF6F3}" type="datetimeFigureOut">
               <a:rPr lang="en-US" smtClean="0"/>
-              <a:t>6/9/2014</a:t>
+              <a:t>6/10/2014</a:t>
             </a:fld>
             <a:endParaRPr lang="en-US"/>
           </a:p>
@@ -2847,7 +2852,7 @@
           <a:p>
             <a:fld id="{34ED9B13-E5A7-4F15-9144-85834FFDF6F3}" type="datetimeFigureOut">
               <a:rPr lang="en-US" smtClean="0"/>
-              <a:t>6/9/2014</a:t>
+              <a:t>6/10/2014</a:t>
             </a:fld>
             <a:endParaRPr lang="en-US"/>
           </a:p>
@@ -2865,7 +2870,7 @@
         </p:nvSpPr>
         <p:spPr>
           <a:xfrm>
-            <a:off x="1069848" y="6356350"/>
+            <a:off x="1066800" y="6019800"/>
             <a:ext cx="5102352" cy="365125"/>
           </a:xfrm>
           <a:prstGeom prst="rect">
@@ -2926,6 +2931,36 @@
               <a:t>‹#›</a:t>
             </a:fld>
             <a:endParaRPr lang="en-US"/>
+          </a:p>
+        </p:txBody>
+      </p:sp>
+      <p:sp>
+        <p:nvSpPr>
+          <p:cNvPr id="7" name="TextBox 6"/>
+          <p:cNvSpPr txBox="1"/>
+          <p:nvPr userDrawn="1"/>
+        </p:nvSpPr>
+        <p:spPr>
+          <a:xfrm>
+            <a:off x="152400" y="6553200"/>
+            <a:ext cx="5181600" cy="246221"/>
+          </a:xfrm>
+          <a:prstGeom prst="rect">
+            <a:avLst/>
+          </a:prstGeom>
+          <a:noFill/>
+        </p:spPr>
+        <p:txBody>
+          <a:bodyPr wrap="square" rtlCol="0">
+            <a:spAutoFit/>
+          </a:bodyPr>
+          <a:lstStyle/>
+          <a:p>
+            <a:r>
+              <a:rPr lang="en-US" sz="1000" dirty="0" smtClean="0"/>
+              <a:t>Adobe Generation Professional Guest Speaker – June 16, 2014</a:t>
+            </a:r>
+            <a:endParaRPr lang="en-US" sz="1000" dirty="0"/>
           </a:p>
         </p:txBody>
       </p:sp>
@@ -3290,19 +3325,24 @@
         </p:nvSpPr>
         <p:spPr>
           <a:xfrm>
-            <a:off x="1676400" y="304800"/>
-            <a:ext cx="6172199" cy="1295400"/>
+            <a:off x="1600200" y="76200"/>
+            <a:ext cx="6210300" cy="1295400"/>
           </a:xfrm>
         </p:spPr>
         <p:txBody>
           <a:bodyPr/>
           <a:lstStyle/>
           <a:p>
-            <a:r>
-              <a:rPr lang="en-US" dirty="0" smtClean="0"/>
-              <a:t>App design</a:t>
-            </a:r>
-            <a:endParaRPr lang="en-US" dirty="0"/>
+            <a:pPr algn="ctr"/>
+            <a:r>
+              <a:rPr lang="en-US" sz="5000" dirty="0" smtClean="0"/>
+              <a:t>App </a:t>
+            </a:r>
+            <a:r>
+              <a:rPr lang="en-US" sz="5000" dirty="0" smtClean="0"/>
+              <a:t>design Guest speaker</a:t>
+            </a:r>
+            <a:endParaRPr lang="en-US" sz="5000" dirty="0"/>
           </a:p>
         </p:txBody>
       </p:sp>
@@ -3314,7 +3354,7 @@
         </p:nvSpPr>
         <p:spPr>
           <a:xfrm>
-            <a:off x="1676400" y="1524000"/>
+            <a:off x="1828800" y="1840468"/>
             <a:ext cx="5791200" cy="369332"/>
           </a:xfrm>
           <a:prstGeom prst="rect">
@@ -3330,15 +3370,7 @@
           <a:p>
             <a:r>
               <a:rPr lang="en-US" dirty="0" smtClean="0"/>
-              <a:t>Creating a Top 5 Health/Fitness app using </a:t>
-            </a:r>
-            <a:r>
-              <a:rPr lang="en-US" dirty="0" err="1" smtClean="0"/>
-              <a:t>PhoneGap</a:t>
-            </a:r>
-            <a:r>
-              <a:rPr lang="en-US" dirty="0" smtClean="0"/>
-              <a:t> Build</a:t>
+              <a:t>Creating a Top 5 Health/Fitness app using PhoneGap Build</a:t>
             </a:r>
             <a:endParaRPr lang="en-US" dirty="0"/>
           </a:p>
@@ -3398,11 +3430,15 @@
           </a:p>
           <a:p>
             <a:r>
-              <a:rPr lang="en-US" sz="2400" dirty="0" smtClean="0"/>
+              <a:rPr lang="en-US" sz="2400" dirty="0" smtClean="0">
+                <a:hlinkClick r:id="rId2"/>
+              </a:rPr>
               <a:t>@</a:t>
             </a:r>
             <a:r>
-              <a:rPr lang="en-US" sz="2400" dirty="0" err="1" smtClean="0"/>
+              <a:rPr lang="en-US" sz="2400" dirty="0" err="1" smtClean="0">
+                <a:hlinkClick r:id="rId2"/>
+              </a:rPr>
               <a:t>dotNetkow</a:t>
             </a:r>
             <a:endParaRPr lang="en-US" sz="2400" dirty="0" smtClean="0"/>
@@ -3419,47 +3455,6 @@
       <p:pic>
         <p:nvPicPr>
           <p:cNvPr id="1026" name="Picture 2" descr="Matthew Netkow"/>
-          <p:cNvPicPr>
-            <a:picLocks noChangeAspect="1" noChangeArrowheads="1"/>
-          </p:cNvPicPr>
-          <p:nvPr/>
-        </p:nvPicPr>
-        <p:blipFill>
-          <a:blip r:embed="rId2">
-            <a:extLst>
-              <a:ext uri="{28A0092B-C50C-407E-A947-70E740481C1C}">
-                <a14:useLocalDpi xmlns:a14="http://schemas.microsoft.com/office/drawing/2010/main" val="0"/>
-              </a:ext>
-            </a:extLst>
-          </a:blip>
-          <a:srcRect/>
-          <a:stretch>
-            <a:fillRect/>
-          </a:stretch>
-        </p:blipFill>
-        <p:spPr bwMode="auto">
-          <a:xfrm>
-            <a:off x="2514600" y="3113809"/>
-            <a:ext cx="2296391" cy="2296391"/>
-          </a:xfrm>
-          <a:prstGeom prst="rect">
-            <a:avLst/>
-          </a:prstGeom>
-          <a:noFill/>
-          <a:extLst>
-            <a:ext uri="{909E8E84-426E-40DD-AFC4-6F175D3DCCD1}">
-              <a14:hiddenFill xmlns:a14="http://schemas.microsoft.com/office/drawing/2010/main">
-                <a:solidFill>
-                  <a:srgbClr val="FFFFFF"/>
-                </a:solidFill>
-              </a14:hiddenFill>
-            </a:ext>
-          </a:extLst>
-        </p:spPr>
-      </p:pic>
-      <p:pic>
-        <p:nvPicPr>
-          <p:cNvPr id="1027" name="Picture 3" descr="C:\sourcecode\fitwatcher\fitwatcher\Fitwatcher\icon.png"/>
           <p:cNvPicPr>
             <a:picLocks noChangeAspect="1" noChangeArrowheads="1"/>
           </p:cNvPicPr>
@@ -3480,8 +3475,8 @@
         </p:blipFill>
         <p:spPr bwMode="auto">
           <a:xfrm>
-            <a:off x="152400" y="3124200"/>
-            <a:ext cx="2224606" cy="2224606"/>
+            <a:off x="1066800" y="2934471"/>
+            <a:ext cx="2895600" cy="2895600"/>
           </a:xfrm>
           <a:prstGeom prst="rect">
             <a:avLst/>
@@ -3552,15 +3547,17 @@
           </a:xfrm>
         </p:spPr>
         <p:txBody>
-          <a:bodyPr/>
+          <a:bodyPr>
+            <a:normAutofit/>
+          </a:bodyPr>
           <a:lstStyle/>
           <a:p>
             <a:pPr algn="ctr"/>
             <a:r>
-              <a:rPr lang="en-US" dirty="0" smtClean="0"/>
+              <a:rPr lang="en-US" sz="2500" dirty="0" smtClean="0"/>
               <a:t>About me</a:t>
             </a:r>
-            <a:endParaRPr lang="en-US" dirty="0"/>
+            <a:endParaRPr lang="en-US" sz="2500" dirty="0"/>
           </a:p>
         </p:txBody>
       </p:sp>
@@ -3573,7 +3570,7 @@
         <p:spPr>
           <a:xfrm>
             <a:off x="457200" y="1143000"/>
-            <a:ext cx="7924800" cy="2092881"/>
+            <a:ext cx="7924800" cy="5293757"/>
           </a:xfrm>
           <a:prstGeom prst="rect">
             <a:avLst/>
@@ -3591,8 +3588,16 @@
               <a:buChar char="•"/>
             </a:pPr>
             <a:r>
+              <a:rPr lang="en-US" sz="2600" b="1" dirty="0" smtClean="0"/>
+              <a:t>Senior Developer for The SAVO Group </a:t>
+            </a:r>
+            <a:r>
               <a:rPr lang="en-US" sz="2600" dirty="0" smtClean="0"/>
-              <a:t>Senior Developer for The SAVO Group – 5 years</a:t>
+              <a:t>– 5 </a:t>
+            </a:r>
+            <a:r>
+              <a:rPr lang="en-US" sz="2600" dirty="0" smtClean="0"/>
+              <a:t>years</a:t>
             </a:r>
           </a:p>
           <a:p>
@@ -3602,8 +3607,46 @@
             </a:pPr>
             <a:r>
               <a:rPr lang="en-US" sz="2600" dirty="0" smtClean="0"/>
-              <a:t>Backend development: automation, tools</a:t>
-            </a:r>
+              <a:t>Sales Productivity SaaS</a:t>
+            </a:r>
+            <a:endParaRPr lang="en-US" sz="2600" dirty="0" smtClean="0"/>
+          </a:p>
+          <a:p>
+            <a:pPr marL="742950" lvl="1" indent="-285750">
+              <a:buFont typeface="Arial" panose="020B0604020202020204" pitchFamily="34" charset="0"/>
+              <a:buChar char="•"/>
+            </a:pPr>
+            <a:r>
+              <a:rPr lang="en-US" sz="2600" dirty="0" smtClean="0"/>
+              <a:t>Backend </a:t>
+            </a:r>
+            <a:r>
+              <a:rPr lang="en-US" sz="2600" dirty="0" smtClean="0"/>
+              <a:t>.NET C# development</a:t>
+            </a:r>
+            <a:r>
+              <a:rPr lang="en-US" sz="2600" dirty="0" smtClean="0"/>
+              <a:t>: </a:t>
+            </a:r>
+            <a:r>
+              <a:rPr lang="en-US" sz="2600" dirty="0" smtClean="0"/>
+              <a:t>user/document automation</a:t>
+            </a:r>
+            <a:r>
+              <a:rPr lang="en-US" sz="2600" dirty="0" smtClean="0"/>
+              <a:t>, </a:t>
+            </a:r>
+            <a:r>
+              <a:rPr lang="en-US" sz="2600" dirty="0" smtClean="0"/>
+              <a:t>tools</a:t>
+            </a:r>
+          </a:p>
+          <a:p>
+            <a:pPr marL="742950" lvl="1" indent="-285750">
+              <a:buFont typeface="Arial" panose="020B0604020202020204" pitchFamily="34" charset="0"/>
+              <a:buChar char="•"/>
+            </a:pPr>
+            <a:endParaRPr lang="en-US" sz="2600" dirty="0" smtClean="0"/>
           </a:p>
           <a:p>
             <a:pPr marL="285750" indent="-285750">
@@ -3611,9 +3654,22 @@
               <a:buChar char="•"/>
             </a:pPr>
             <a:r>
+              <a:rPr lang="en-US" sz="2600" b="1" dirty="0" smtClean="0"/>
+              <a:t>Mobile app development </a:t>
+            </a:r>
+            <a:r>
               <a:rPr lang="en-US" sz="2600" dirty="0" smtClean="0"/>
-              <a:t>Mobile app development side projects</a:t>
-            </a:r>
+              <a:t>side </a:t>
+            </a:r>
+            <a:r>
+              <a:rPr lang="en-US" sz="2600" dirty="0" smtClean="0"/>
+              <a:t>projects - </a:t>
+            </a:r>
+            <a:r>
+              <a:rPr lang="en-US" sz="2600" dirty="0" err="1" smtClean="0"/>
+              <a:t>Netkosoft</a:t>
+            </a:r>
+            <a:endParaRPr lang="en-US" sz="2600" dirty="0" smtClean="0"/>
           </a:p>
           <a:p>
             <a:pPr marL="742950" lvl="1" indent="-285750">
@@ -3622,11 +3678,60 @@
             </a:pPr>
             <a:r>
               <a:rPr lang="en-US" sz="2600" dirty="0" smtClean="0"/>
-              <a:t>Switched to front-end </a:t>
+              <a:t>Focus on </a:t>
+            </a:r>
+            <a:r>
+              <a:rPr lang="en-US" sz="2600" dirty="0" smtClean="0"/>
+              <a:t>front-end development</a:t>
+            </a:r>
+          </a:p>
+          <a:p>
+            <a:pPr marL="742950" lvl="1" indent="-285750">
+              <a:buFont typeface="Arial" panose="020B0604020202020204" pitchFamily="34" charset="0"/>
+              <a:buChar char="•"/>
+            </a:pPr>
+            <a:r>
+              <a:rPr lang="en-US" sz="2600" dirty="0" smtClean="0"/>
+              <a:t>Entirely </a:t>
             </a:r>
             <a:r>
               <a:rPr lang="en-US" sz="2600" dirty="0" err="1" smtClean="0"/>
-              <a:t>dev</a:t>
+              <a:t>PhoneGap</a:t>
+            </a:r>
+            <a:r>
+              <a:rPr lang="en-US" sz="2600" dirty="0" smtClean="0"/>
+              <a:t>-based, HTML5 apps</a:t>
+            </a:r>
+          </a:p>
+          <a:p>
+            <a:pPr marL="742950" lvl="1" indent="-285750">
+              <a:buFont typeface="Arial" panose="020B0604020202020204" pitchFamily="34" charset="0"/>
+              <a:buChar char="•"/>
+            </a:pPr>
+            <a:r>
+              <a:rPr lang="en-US" sz="2600" dirty="0" smtClean="0"/>
+              <a:t>Team of Two (Partnered with Graphic Designer)</a:t>
+            </a:r>
+          </a:p>
+          <a:p>
+            <a:pPr marL="742950" lvl="1" indent="-285750">
+              <a:buFont typeface="Arial" panose="020B0604020202020204" pitchFamily="34" charset="0"/>
+              <a:buChar char="•"/>
+            </a:pPr>
+            <a:endParaRPr lang="en-US" sz="2600" dirty="0"/>
+          </a:p>
+          <a:p>
+            <a:pPr marL="285750" indent="-285750">
+              <a:buFont typeface="Arial" panose="020B0604020202020204" pitchFamily="34" charset="0"/>
+              <a:buChar char="•"/>
+            </a:pPr>
+            <a:r>
+              <a:rPr lang="en-US" sz="2600" b="1" dirty="0" smtClean="0"/>
+              <a:t>Blog</a:t>
+            </a:r>
+            <a:r>
+              <a:rPr lang="en-US" sz="2600" dirty="0" smtClean="0"/>
+              <a:t> about technology, programming, PhoneGap at netkow.com</a:t>
             </a:r>
             <a:endParaRPr lang="en-US" sz="2600" dirty="0" smtClean="0"/>
           </a:p>
@@ -3688,25 +3793,81 @@
         </p:nvSpPr>
         <p:spPr>
           <a:xfrm>
-            <a:off x="3733800" y="228600"/>
-            <a:ext cx="1600200" cy="471055"/>
-          </a:xfrm>
-        </p:spPr>
-        <p:txBody>
-          <a:bodyPr/>
+            <a:off x="1828800" y="152400"/>
+            <a:ext cx="6019800" cy="943146"/>
+          </a:xfrm>
+        </p:spPr>
+        <p:txBody>
+          <a:bodyPr>
+            <a:normAutofit/>
+          </a:bodyPr>
+          <a:lstStyle/>
+          <a:p>
+            <a:r>
+              <a:rPr lang="en-US" sz="2500" dirty="0" err="1" smtClean="0"/>
+              <a:t>Fitwatchr</a:t>
+            </a:r>
+            <a:r>
+              <a:rPr lang="en-US" sz="2500" dirty="0" smtClean="0"/>
+              <a:t>: advanced </a:t>
+            </a:r>
+            <a:r>
+              <a:rPr lang="en-US" sz="2500" dirty="0" err="1" smtClean="0"/>
+              <a:t>fitbit</a:t>
+            </a:r>
+            <a:r>
+              <a:rPr lang="en-US" sz="2500" dirty="0" smtClean="0"/>
+              <a:t> activity tracker</a:t>
+            </a:r>
+            <a:endParaRPr lang="en-US" sz="2500" dirty="0"/>
+          </a:p>
+        </p:txBody>
+      </p:sp>
+      <p:sp>
+        <p:nvSpPr>
+          <p:cNvPr id="5" name="TextBox 4"/>
+          <p:cNvSpPr txBox="1"/>
+          <p:nvPr/>
+        </p:nvSpPr>
+        <p:spPr>
+          <a:xfrm>
+            <a:off x="590031" y="3590221"/>
+            <a:ext cx="8249169" cy="369332"/>
+          </a:xfrm>
+          <a:prstGeom prst="rect">
+            <a:avLst/>
+          </a:prstGeom>
+          <a:noFill/>
+        </p:spPr>
+        <p:txBody>
+          <a:bodyPr wrap="square" rtlCol="0">
+            <a:spAutoFit/>
+          </a:bodyPr>
           <a:lstStyle/>
           <a:p>
             <a:r>
               <a:rPr lang="en-US" dirty="0" smtClean="0"/>
-              <a:t>Versions</a:t>
-            </a:r>
-            <a:endParaRPr lang="en-US" dirty="0"/>
+              <a:t>    </a:t>
+            </a:r>
+            <a:r>
+              <a:rPr lang="en-US" dirty="0" err="1" smtClean="0"/>
+              <a:t>Fitbit</a:t>
+            </a:r>
+            <a:r>
+              <a:rPr lang="en-US" dirty="0" smtClean="0"/>
+              <a:t> user                           Weight Watchers member                         </a:t>
+            </a:r>
+            <a:r>
+              <a:rPr lang="en-US" dirty="0" err="1" smtClean="0"/>
+              <a:t>Fitwatchr</a:t>
+            </a:r>
+            <a:endParaRPr lang="en-US" dirty="0" smtClean="0"/>
           </a:p>
         </p:txBody>
       </p:sp>
       <p:pic>
         <p:nvPicPr>
-          <p:cNvPr id="2050" name="Picture 2" descr="https://s4.mzstatic.com/us/r30/Purple/v4/19/a1/11/19a11158-9c6c-bdcb-ae3f-85d89d51a539/mzl.ckfjgpxo.png?downloadKey=1402969696_b1547a092671ba7d7c1ded8edb08406c"/>
+          <p:cNvPr id="1026" name="Picture 2" descr="https://static5.fitbit.com/simple.b-dis-png.hc7f9c46912e04e7947281b48d1d37891.pack?items=%2Fcontent%2Fassets%2Fonezip%2Fimages%2Fproducts%2Fflex%2FflexProductShot_navy.png"/>
           <p:cNvPicPr>
             <a:picLocks noChangeAspect="1" noChangeArrowheads="1"/>
           </p:cNvPicPr>
@@ -3727,8 +3888,8 @@
         </p:blipFill>
         <p:spPr bwMode="auto">
           <a:xfrm>
-            <a:off x="3119907" y="1676400"/>
-            <a:ext cx="2747493" cy="4876800"/>
+            <a:off x="510128" y="1474788"/>
+            <a:ext cx="1657350" cy="2085976"/>
           </a:xfrm>
           <a:prstGeom prst="rect">
             <a:avLst/>
@@ -3747,14 +3908,14 @@
       </p:pic>
       <p:pic>
         <p:nvPicPr>
-          <p:cNvPr id="2052" name="Picture 4" descr="1 of 4"/>
+          <p:cNvPr id="7" name="Picture 3" descr="C:\sourcecode\fitwatcher\fitwatcher\Fitwatcher\icon.png"/>
           <p:cNvPicPr>
             <a:picLocks noChangeAspect="1" noChangeArrowheads="1"/>
           </p:cNvPicPr>
           <p:nvPr/>
         </p:nvPicPr>
         <p:blipFill>
-          <a:blip r:embed="rId3">
+          <a:blip r:embed="rId3" cstate="print">
             <a:extLst>
               <a:ext uri="{28A0092B-C50C-407E-A947-70E740481C1C}">
                 <a14:useLocalDpi xmlns:a14="http://schemas.microsoft.com/office/drawing/2010/main" val="0"/>
@@ -3768,8 +3929,8 @@
         </p:blipFill>
         <p:spPr bwMode="auto">
           <a:xfrm>
-            <a:off x="6096000" y="1676400"/>
-            <a:ext cx="2927860" cy="4876800"/>
+            <a:off x="6614595" y="1350302"/>
+            <a:ext cx="1975634" cy="1975634"/>
           </a:xfrm>
           <a:prstGeom prst="rect">
             <a:avLst/>
@@ -3788,7 +3949,37 @@
       </p:pic>
       <p:sp>
         <p:nvSpPr>
-          <p:cNvPr id="4" name="AutoShape 6" descr="Fitwatchr for Fitbit - screenshot"/>
+          <p:cNvPr id="6" name="TextBox 5"/>
+          <p:cNvSpPr txBox="1"/>
+          <p:nvPr/>
+        </p:nvSpPr>
+        <p:spPr>
+          <a:xfrm>
+            <a:off x="5547795" y="1676400"/>
+            <a:ext cx="914400" cy="1323439"/>
+          </a:xfrm>
+          <a:prstGeom prst="rect">
+            <a:avLst/>
+          </a:prstGeom>
+          <a:noFill/>
+        </p:spPr>
+        <p:txBody>
+          <a:bodyPr wrap="square" rtlCol="0">
+            <a:spAutoFit/>
+          </a:bodyPr>
+          <a:lstStyle/>
+          <a:p>
+            <a:r>
+              <a:rPr lang="en-US" sz="8000" dirty="0" smtClean="0"/>
+              <a:t>=</a:t>
+            </a:r>
+            <a:endParaRPr lang="en-US" sz="8000" dirty="0"/>
+          </a:p>
+        </p:txBody>
+      </p:sp>
+      <p:sp>
+        <p:nvSpPr>
+          <p:cNvPr id="8" name="AutoShape 4" descr="data:image/jpeg;base64,/9j/4AAQSkZJRgABAQAAAQABAAD/2wCEAAkGBxASBhISEg8QFhEXFhgUGBgUFRgXFRIUGBkXGBcUFRQYHCggGB0nHBQcJDEhJSkrLi4uGB8zODMsNygtLisBCgoKDg0OGxAQGiskICYvLDEvLCwvMCwsLCwsLCwsLywsLCwsLCwsLCwsLC8sLCwsLCwsLCwsLCwsLCwsLCwsLP/AABEIAOEA4QMBEQACEQEDEQH/xAAcAAEBAAIDAQEAAAAAAAAAAAAABwUGAwQIAQL/xABFEAABAwIBBA0JBgYDAQEAAAABAAIRAwQFBgcSIRMiJjFRcXKBkZKhwdEUFRdUYXOTsdIWMkFSgqIjNkJTYrIzVcLhJP/EABoBAQADAQEBAAAAAAAAAAAAAAAEBQYDAgH/xAAxEQEAAgECAwgBBAEEAwAAAAAAAQIDBBEFElETFCEzUmGBkUEVMTRxwSIjMkKx0fD/2gAMAwEAAhEDEQA/ALigICAgICAgICAgICAgICAgICAgICAgICAgICAgICDiu7llK2dUqPaym0FznOMBoG+SSvsRMztBM7JPlHnki4LLKg1zRq2WqTtuTTGuPaTzKXTS+H+qUS+q9LXvS9inBbfDP1Lr3Wnu5d6v7HpexTgtvhn6k7rT3O839j0vYpwW3wz9Sd1p7neb+x6XsU4Lb4Z+pO609zvN/Y9L2KcFt8M/Undae53m/sel7FOC2+GfqTutPc7zf2PS9inBbfDP1J3Wnud5v7HpexTgtvhn6k7rT3O839j0vYpwW3wz9Sd1p7neb+x6XsU4Lb4Z+pO609zvN/Y9L2KcFt8M/Undae53m/sel7FOC2+GfqTutPc7zf2PS9inBbfDP1J3Wnud5v7HpexTgtvhn6k7rT3O839j0vYpwW3wz9Sd1p7neb+x6XsU4Lb4Z+pO609zvN/Y9L2KcFt8M/Undae53m/sel7FOC2+GfqTutPc7zf2PS9inBbfDP1J3Wnud5v7HpexTgtvhn6k7rT3O839j0vYpwW3wz9Sd1p7neb+x6XsU4Lb4Z+pO609zvV/ZmMDzzVRXDbu2Y5hOt9IkOb7dAyHcUhc7aWP+suldV6oVrCcTo3Ng2tQqNfTdvEdoI/Ag74Kh2rNZ2lLi0TG8O4vj6ICCPZ8sffs9KyY4hmjstT/ADJMMHEIJ5xwKbpaf9kLVZP+qSwpiEQgQgQgQgQgQgQgQgQgQgQgQgQgQgQgQgQgQgQgQgQgQgQgoeZjHn0covJi47DXB2v5aoEhw4NQIPNwKNqab15uiVpsm1uXqvCr1gICCAZ5v53d7qn3qy0vlq3V/wDNo0KQjEIEIOxYWFWvdtpUmF9R280RJgSYn2BfLTFY3l9rWbTtDM/YXFfUK/Q3xXPtsfV17DJ0PsLivqFfob4p22Pqdhk6H2FxX1Cv0N8U7bH1OwydGOxbA7q1c0XFB9IunR0o20RMRxhe63rb9peL0tT92PhenghB3MMwm4uapbQo1KrgJIYJIG9JXm1q1/d6rS1v2ZH7FYn/ANfc9ReO2x9XvsMnQ+xWJ/8AX3PUTtsfU7DJ0dXEcnL23t9kr2tamyQ3Se2BJ3hPMvVclLTtEvlsV6xvMMZC9uZCDnsLGrXu20qNNz6jp0Wt33QCTHMCeZfLTFY3l9rE2naGa+wuK+oV+hviufbY+rr2GTofYXFfUK/Q3xTtsfU7DJ0PsLivqFfob4p22Pqdhk6MVimE3FtcBlek6m8jSDXRMb06uJe62rbxhzvS1P3dOF6eSECEGxZu/wCd7P3v/ly5Z/Ll20/mQ9LKqWogIIFnkG7Z3uqfyKstL5as1fmNHhSUUhAhB2sKvnW+J0q7PvU3tePbB1jnEjnXm1eaJh6x25bRL1Pb1mvoNe0y1wDgeEESD2qnmNl3E7uRfAQTzPZhuyZLsrAa6NRpPJftD2lqlaS219uqLq6703Q2FYqwhBaMxuF6GDV7kjXUqaDfaymNZH6nEfpVfq7f6ohZaOu1d1NURLEGCy4wnyrJW4oxtizSby2EPb2tjnXTFblvEueWvNSYeZ4VupiEFGzI4Zp5RVa5GqlTgcqoY/1B6VE1dtqxCZo672mVvVesRAQeacvMV8qysuasy0PNNnIp7UEccE86tsNOWkQqNRfmvLAQuriQgQg2HN4N21n73uK5Z/Ll20/mQ9KKpW4gIIJniG7V3uqfyKs9L5aq1nmNIhSUTchDchDchDd6AzT4rs+R9NpO3ouNE8TQC09Vw6CqvU05b/2uNNfmxw3JR0gQY3KTDhcYDcUD/XTc0cqNqekBe6W5bRLzevNWYeYHMIcQd8aj7D+KuVFPhOz4RqQh6dyWwzybJ63oRrZTaHco63dpKpslua0yvMdeWsQyq8PYgIPM+WWF+TZUXNH+kVC5vIftmjmDo5lcYbc1IlS568uSYYWF0cd1yzLYdseSrqpG2rVXOHIaAxvaHHnVbq7b326LbSV2x7qAoqUIMLllivkuTFxXnW1kN5byGM/c4LpipzXiHPLfkpMvNEK42Ukzu+Qj5uQhuQhu2HN8N2tn7zuK5Z/Ll303mQ9IqoXIgIIPngG7R3uqfyKtNJ5ap1vmNJ0VJQ9zRQ3NFDc0UN1FzK4noY5VtydVVmk0cL2a/wDUnoUPWU3rFk/Q3/1TVaVXLMQEHm7LnDdgytumRANR1RvJqbcRxaUcyuMFubHEqTU15ckw+5CYX5RlZbU4loeKjuSzbHtAHOme3LSZfdNXmyQ9IKnXQgICCPZ78L0cQt7kDU9ppOP+TdbekE9VWGjt4TVW66vjFkxI1KagQ9P5P4eLfBKFH8lNrTxxr7ZVJe3NaZX9K8tYhkF5ehBL89+JxZULYHW9xquH+LdTe0noU3R03mbIOuvtWKpDoqwVe5oobmihuaKG7YM343aWnvO4rjn8uXfTebD0cqhdiAghWd4bs3e6p/Iq10nlqfXeb8NK0VJQ9zRQ3NFDc0UN2QyexDybHKFf+28OPJ3nftJXjJTmrMOmHJyXiXphjgWAjeIkcRVI0D9ICCP57cO0cTt64Gp7HU3H/JhBbPGHHqqx0Vt4mqs19fGLOfMlhf8AHuLojeAot54c/wCTV51t/wBqvugp+9lZUBZCAgINVzm4bs+R9fVtqY2Yate01uj9MrvprcuSEfVU5scozkZhvlGVFtTiW7IHO5LNsZ6sc6ss1uWkyqdPXmyRD0gqZfCAg8+5ysS8oywrEGW04ot4mTP7i5W+mpy44Umryc2SfZq+iu6NuaKG5oobmihuz+QI3ZWnvO4rjqPLl30s/wC7D0WqdeiAghmdwbsXe7p/Iq20flqXX+b8NM0VKQtzRQ3NFDc0UNzRQ3X/ADcYns+SVAky6mNhdwyzUD1YVNqacuSV/pcnPiiWzrgkCDT86uHbNkhUdGukRVHsA1O/a4qTpbcuSPdF1lObFPs7ebrDPJ8kKDSNu4Gq7jedIDmaQOZedRfmyTL3pqcmKIbKuDu4rqu2navqOMNY0uPsDQSfkvsRvOz5M7Ru6GTOLC7wKjcARptkjgcCQ4dIK95aclpq8Yr89Isyi5uj8VaYdSLSJBBB9oOopHgT4pZmvwA0ssLwkaqAdRE8L3aj1WfuVhqsnNjr7q7SYuXLb2VZV6xEHQx3ERb4PWrn+hhdxmNQ6YXulea0VeMl+Ss2eaXElxJMkmSeEnWSrzZnJtvO75or6+bmihuaKG5oobs/kEN2Np7zuK4ajypSNLP+9V6HVMvxAQQ/OyN2Dvds+RVto/KUfEJ/3fhpsKWhbkIbkIbkIbkIbqTmXxHRva9uTqe0VGj/ACbqd2EdCga6nhFlnw3J4zVWVWrYQcN7atq2dSk8Sx7XMcOFrgQewr7WZrO8PlqxaJiXJTYG0wBvAADiC+Pr9INUznX+xZIVQN+pFIcTvvftBUjS15skeyLrL8uKWGzM3+lhFagTrpv0hyXjxB6V11tNrRbq48Oyb0mvRRFCWAg6trYU6d1WqNG2qua9/tLWNYOxoXqbTMRHR5isRMz1dpeXoQT/ADx4joYFToA66tSTyGCf9i3oU3RU3vNuiv4hk2xxXqjsK0U25CG5CG5CG5CG7PZCDdhae87iuGo8qyRpJ/3qvQipWhEBBEs643Xu92z5FW+i8pQ8R874adCloO5CG5CG5CG5CG7LZKYibbKKhVnUHgO5Dtq7sM8y5Zqc9Jh302XkyxL0QDqVE0ogICAglOea/m8t6AOprXVHD2u2rZ4g09ZWWgp4TZUcTyeMVYfNXf7FlW1pO1qsdTPHqc0/tjnXXWU3x79HDh+Tly7dVuVQvhAQEBBEM6OI7NlU9gO0ogUxyvvPPSY/SrjR05ce/VQ8Qy82Xbo1CFKQdyENyENyENyEN2dyFG6+1953FcNR5VknRz/vVegVSNGICCK51Ruud7tnerjReV8s/wAS874afCloBCBCBCBCBCG6+5E4n5RkzQqE7YN0Hcph0T0wDzqi1FOTJMNPpcnaYoszq4pAgICCAZZ3+z5T3D52oeWN5LNqCOOJ51e6enJjiGZ1mTnzWli7G5dRvGVW/eY4PHG0zC6WrzRMS447zS0Wh6PoVmvoNe0y1wDh7QRIWfmNp2auJ3jeHIvj6ICDr4jdto4fUqu+6xjnniaCe5eqV5rREPN7RSs2n8POV1XdUun1Hfee4uPGTK0Fa8sbQyl7za02lxQvryQgQgQgQgzuQ43W2vvO4rhqfKslaPz6r6qNpRAQRfOmN1rvds71c6LyvlnuJed8NQhS1fuQhuQhuQhuQhuQhupmZ7Ev+e2J16qzeLU1/wD56VW6/H+1/hdcLy7xOP5UtVq3EBBjco78W+BV635WGOUdTR0kLpipz3irlnydnjmzz2dZ1760DKTO87vkI+brfm3xDZslKcnbUyaR/TBH7XBUmrpy5Z9/FpdDk58Me3g2hRkwQEGm51MRFPJvYwdtWcG/pG2cewDnUzRU5sm/RA4jl5MW3VGoVwzu5CG5CG5CG5CG5CG7OZEDdZa+87iuGp8qyVovPqvaomnEBBGc6Q3WO92zvVzofK+Wd4n5/wAQ1GFMV+5CG5CG5CD4gIM5kViPk+UtF5MNLtjdyX6tfPB5lw1OPnxzCVosvZ5oleVQtQICDRs7WIaGBMozrqvBPJZDv9tFTtBTe/N0VvE8nLi5eqRq3Z8QUXM/iEXNe3J+8BVA9o2ruwt6FXcQp4RZccKyf8qfKoKrXQgIJBnWxHZMoG0gdVFkfqfDndgarfQ02x83VQcUy82SKx+GkqcrBB9hAhDchDchDdm8iBustfedxXDU+VZK0Xn1XlULUCAgjedAbq3e7Z3q60PlfLOcU8/4hqUKWriECEHfwG9FDGKVUgFrXDSBEy06nauIrnlpz0mrtpsvZ5ItK9i0pR/x0+qPBUHNPVrOWvQ8jpf2qfVHgvnNPU5K9DyOl/ap9UeC+809Tkr0abnVp1BhlKtTqPbov0XaLi2Q4apg8I7VM0MxNprMK7icWjHF6ztsmPnK49YrfEd4q07OnSFH2+T1T9nnK49YrfEd4p2dOkHb5PVP2rOb2wnJttSt/EdUc54NTblrdTQAXTA2s86qdXfbJtXw26NBoKT2MTfxmerZfN9H+zS6jfBRee3VN5K9DzfR/s0uo3wTnt1OSvRjsosJa/A67aTWsqaBLXMGi4ObthDm69cQumHJMXiZ8Ycc+LmxzFfCUS85XHrFf4jvFXnZ06QzHb5PVP2ecrj1it8R3inZ06Qdvk9U/bbc2ezVsotJ9aq5lNhcQ57iCTtRIJ175PMomt5a49oiPFYcNm+TLvMztHuqjrWmXSabCeEtEqp5p6r3ljo+eR0v7VPqjwTmnqcleh5HS/tU+qPBOaepyV6Itl7eNq5TVQwAMpnYhAAEt+8dX+U9CvNJSa4o3/PizXEMkWzTEfjwa9CkIRCBCDN5FDdXbe87iuGp8qyVofPquyoWqEBBHc543VO92zvV1ofK+Wb4p5/xDUoUxWkIEIEIbrlkTiOz5NUXTtmjY3cpmr5QedUOpx8mWYazRZe0wxPwzqjpQgxGVths+Tlen+JZpN5Tds3tau2nvyZIlH1WPtMNqoPC0DIv0ymXPDQJJIAHCTqASfDxfaxMztD0JhtoKOH06Q3mMa3oELN3tzWmWyx05KxWPw7K8vYgIIHlNYbBj9el+AeS3ku2zewrQ4L8+OJZLV4+zzWr7sZC6oyqZpbLRwmrWI1vfojksHi49CqeIX3vFejQ8Jx7Y5t1lvar1qIOpi96KGGVap3mMLueNQ6V7x057RXq55ckY6Tafw8+1HF1QuO+SSeM6ytHEbRsx9rc07y/MI8kIEIM3kUN1Vt7zuK4aryrJeh/kV/tdFQNWICCP5zRupd7tnervQ+T8szxXz/iGpwpitIQIQIQUPNLfxVrW5OoxVbxiGu7NHoVZxHH4Rf4XnB8v/LH8qSqteCD4RqQQPH7LYcbr0o1NqOA5JMt7CFo8NubHFvZj9TTkzWr7u9kPY7NlPQbGpp2Q8TNfzhc9XflxS68Px8+evt4reqBqxAQEEtzsYfo4nSrAaqjS08pkR2O7Fb8PvvWa9FBxfHtet+rRSNSsFOu+S1jsGT9CnEEMBPKdtj2lZ7PfnyTLX6XH2eGtfZlVxSBBpOdS/0MEZRG/VeJ5LId84U/h9N8nN0VfFsvLi5ev+EphXDNkIEIEIM1kWN1Nty+4rhqvJsl6H+RT+1yWfa0QEEgzmDdQ73bO9Xmg8n5lmOLfyPiGqwpitIQIQIQZbJO+2DKKhUna6Wi7ku2pnpnmXDU058UwlaLL2eetv8A7xXNZ5rxAQSnOlY6GOMqgaqjP3MgHsLVc8PvvjmvRnOL4+XLF+sf+HezTWP8WvXI3gKQ59s75NXPiN/CK/LtwbH/AMsnwpCql6ICAg1jOLYbLky8xrpkVBxDU7sJUvRX5cse/ggcSxc+CfbxSnBbLZsWo0vwe9oPJmXdgKuct+Sk2ZvT4+0y1p1lfVm2zEBBIM5N9suUhaDtaTQz9X3nHtA5ld6GnLi36szxXLz5uXo1WFNVhCBCBCDM5GDdRbcvuKj6rybf0l6D+RT+1wWfa4QEEizljdQ7kM71eaDyfmWX4t/I+IarCmqwhAhAhAhBcsl8Q2fAaNSZdohruW3U7tHas5qMfJkmrZ6TL2uGtvZlVxSBBqGc6x08AFQDXSeD+l21Pd0KdoL8uTbqq+LYubBzdHdyAstiyXpSNs+ah/Udr+2Fz1l+bNPt4O3DsfJp67/nxbEoqc+OcA0k7w1oT4OCwu2VrJlVhlrwHDiK9XpNLTWfw8Y8kZKxaP2l2F5e3FdUBUtnscJa5pafaHCD819rPLMTDzesWrNZ/KZZu8KIyqqaQ/4GuB5ZOiOzSVvrcsThjb8s/wAMwTGptv8A9VSVO0Qg4bu4bTtX1Hfda0uPEBK9VrNpiIeb2ilZtP4QO5rOqXL6jvvOcXHjJk/NaWtYrERDE3vN7Tafy4oXp4IQIQIQZnI0bqLbl9xUfVeTb+kzQfyKf2tyzzXiAgkmckbp3chnerzQeT8yy3F/5HxDVoU1VkIEIEIEIKLmqvpo1qBO8RUbxHU7tA6VVcSx+MXaHguXetsc/jxb+qteCDqYtZCvhlWidWmxzZ4CRqPMda9478l4t0c82PtMc06w57ekGUGtG80Bo5hC82ned3uscsRDkXx9YTLO+2HJus4GHObsY437X5E9CkaWnPliEPX5ezwWn4+2LzZXungBpnfpvI/S7bDtJXbiFOXLv1R+EZebBy9JbeoK0EGNw3Cm0sQuaoj+M9ruKGgEdaTzrrkyzata9HDFhil726z/AIZJcncQapnIv9jye0AdtVcGfp+875RzqboMfNl36KziuXkwbR+fBJoV4ypCBCBCBCDMZHDdPb8vuK4arybf0mcP/k0/tbFnWxEBBJs5H8zO5DO9XvD/ACfmWV4v/I+IatCmqshAhAhAhBnMi7/Yco6Tj91x2N3E/UO2FG1ePnxT7eKdw7N2Wor0nw+1mWebAQEBAQaDnUvYo0aA/Emo7iGpvaT0K04bj8Zv8KLjWXatccfnxYvNje6GNupE7Wow9Zusdmku3Eab44t0RuDZeXLNOsf+FSVK0wgICAgluc2/08abSG9Sbr5T4PyhXXDse2Pm6szxnNzZYpH4/wAtPhWCnIQIQIQIQZjI8bprfl9xUfVeTb+kzh/8mn9rUs62QgIJPnH/AJlPIZ3q94f5PzLKcY/k/ENXhTlUQgQgQgQg+tMOkb41ps+xO07wuGBXwr4RSqj+ponlDU4dIKzObH2eSatxpssZcVbx+XfXJ3EBAQR7Lm+2XKSrH3WHYh+nU790rQaLHyYY9/FkOJ5u01E+3h9MZg95sGKUqv5HAnk/1dkrvlx89Jr1RdNl7LLW/SVzB1LMNy+oCAg/FWoG0i4mAASfYBrK+xG87Q+WmIjeUMxS7NbEalU/1uLuYnV2LTYqclIr0YbPl7XJa/WXVhdHEhAhAhAhBmMkBumt+X3FR9X5Nv6TeH/yaf2tCzjZiAglOcUbpTyGd6vuH+T8yyfGP5PxDWIU1VEIEIEIEIEIKRmxvtLDqlEnWx2kOS7/AOg9KpuJY9rxfq0/Bc3NinH0/wAt1VauhAQdfELkUrGpUO8xpd0Be8dee0Vj8ueW8Y6TafxCGVXl1Vzjvklx4yZK1ERtG0MJe02tNp/L8Qvrys2SN7s2T1F06w3QPG3V3LN6vHyZZhtdBm7XT1t8fTMKOmCAg1/Lu92LJyoJ1v8A4Y/V979sqXosfPmj28VfxPL2ent7+H2kULQMcQgQgQgQgQgy+SI3S2/L7io+r8m39JvDv5NP7WZZxtBAQSrOJ/Mh5DO9X3D/ACfmWS4z/J+IazCnKohAhAhAhAhBsGQt7sWUbJOp4NM88EdrQoeux8+GfbxWXCc3Z6iN/wA+CtrPtgICDV84l3oZPFk66jmt5gdI/wCvap3D6c2bfoq+L5eTTzHXw/ylkK+ZEhBQc195/wDnrUT+DhUHOA0/6hU/E6eNb/DScDy70tj+W9KrXwgIJznOvdK+pUQdTGl543ah2DtVzwzHtWb9Wa45m3vXHH48ftpUKzURCBCBCBCBCDL5IjdJb8vuKj6vybf0m8O/k0/tZFm21EBBK84Y3SHkN71f8O8n5lkeM/yfiGswpyqIQIQIQIQIQfqm4tqBwMEEEHgI1gr5MRMbS+1tNZ3hsn24vvz0+oFC/T8PSftafrOp6x9H24vvz0+oE/T8PSfs/WdT1j6Ptxffnp9QJ+n4ek/Z+s6nrH0xmM45XutDZXNOjMQI34mehd8Onph35fyianW5dRt2n4YyF3RSEHdwnE6ttdbJSIDoLdYkQY/DmXLLhrlry2d9Pqb6e/PT92Z+3F9+en1Ao36fh6T9p36zqesfR9uL789PqBP0/D0n7P1nU9Y+j7cX356fUCfp+HpP2frOp6x9MFiF4+veOq1CC92/AgahGocyl48dcdYrX9ldmzWzXm9/3l1oXtzIQIQIQIQIQZfJIbpLfl9xUbV+Tb+k3h38qn9rGs22wgIJvnJsnDFGVY2r26M8Dm/geYq74beJxzX8wy3HMUxljJ+Jjb6afCslGQgQgQgQgQgQgQgQgQgQgQgQgQgQgQgQgQgQgQgQgQgQgQg2HIWydUyhY4Da05eT+A1QB0lQ9feK4ZjqtOEYpvqYmP2jxVdZ5sRAQdPFsNp3Fk6lUGo7xG+0/g4e1dcOW2K3NVw1GnpnxzS6b4pkbdUqp0GbIz8C3fj2t/Aq7xa/FePGdpZXUcI1GOf9Mc0e3/pjPMl16tW6jvBSO3xeqPtD7pn9FvqTzJderVuo7wTt8Xqj7O6Z/Rb6k8yXXq1bqO8E7fF6o+zumf0W+pPMl16tW6jvBO3xeqPs7pn9FvqTzJderVuo7wTt8Xqj7O6Z/Rb6k8yXXq1bqO8E7fF6o+zumf0W+pPMl16tW6jvBO3xeqPs7pn9FvqTzJderVuo7wTt8Xqj7O6Z/Rb6k8yXXq1bqO8E7fF6o+zumf0W+pPMl16tW6jvBO3xeqPs7pn9FvqTzJderVuo7wTt8Xqj7O6Z/Rb6k8yXXq1bqO8E7fF6o+zumf0W+pPMl16tW6jvBO3xeqPs7pn9FvqTzJderVuo7wTt8Xqj7O6Z/Rb6k8yXXq1bqO8E7fF6o+zumf0W+pPMl16tW6jvBO3xeqPs7pn9FvqTzJderVuo7wTt8Xqj7O6Z/Rb6k8yXXq1bqO8E7fF6o+zumf0W+pPMl16tW6jvBO3xeqPs7pn9FvqTzJderVuo7wTt8Xqj7O6Z/Rb6k8yXXq1bqO8E7fF6o+zumf0W+pPMl16tW6jvBO3xeqPs7pn9FvqXdw/JK8q1B/CLG/i5+qBxb65ZNbhpH77/ANJOHhepyT/x2jrKj4BgtO1s9Bmtx1ucd9x7h7FR6jUWzW3n6anR6Ommpy1/f8z1ZNcEsQEBAQEBAQEBAQEBAQEBAQEBAQEBAQEBAQEBAQEBAQEBAQEBAQEBAQEBAQEBAQEBAQEBAQEBAQEBAQEH/9k="/>
           <p:cNvSpPr>
             <a:spLocks noChangeAspect="1" noChangeArrowheads="1"/>
           </p:cNvSpPr>
@@ -3825,87 +4016,9 @@
           </a:p>
         </p:txBody>
       </p:sp>
-      <p:sp>
-        <p:nvSpPr>
-          <p:cNvPr id="5" name="AutoShape 8" descr="Fitwatchr for Fitbit - screenshot"/>
-          <p:cNvSpPr>
-            <a:spLocks noChangeAspect="1" noChangeArrowheads="1"/>
-          </p:cNvSpPr>
-          <p:nvPr/>
-        </p:nvSpPr>
-        <p:spPr bwMode="auto">
-          <a:xfrm>
-            <a:off x="307975" y="7937"/>
-            <a:ext cx="304800" cy="304801"/>
-          </a:xfrm>
-          <a:prstGeom prst="rect">
-            <a:avLst/>
-          </a:prstGeom>
-          <a:noFill/>
-          <a:extLst>
-            <a:ext uri="{909E8E84-426E-40DD-AFC4-6F175D3DCCD1}">
-              <a14:hiddenFill xmlns:a14="http://schemas.microsoft.com/office/drawing/2010/main">
-                <a:solidFill>
-                  <a:srgbClr val="FFFFFF"/>
-                </a:solidFill>
-              </a14:hiddenFill>
-            </a:ext>
-          </a:extLst>
-        </p:spPr>
-        <p:txBody>
-          <a:bodyPr vert="horz" wrap="square" lIns="91440" tIns="45720" rIns="91440" bIns="45720" numCol="1" anchor="t" anchorCtr="0" compatLnSpc="1">
-            <a:prstTxWarp prst="textNoShape">
-              <a:avLst/>
-            </a:prstTxWarp>
-          </a:bodyPr>
-          <a:lstStyle/>
-          <a:p>
-            <a:endParaRPr lang="en-US"/>
-          </a:p>
-        </p:txBody>
-      </p:sp>
-      <p:sp>
-        <p:nvSpPr>
-          <p:cNvPr id="6" name="AutoShape 10" descr="Fitwatchr for Fitbit - screenshot"/>
-          <p:cNvSpPr>
-            <a:spLocks noChangeAspect="1" noChangeArrowheads="1"/>
-          </p:cNvSpPr>
-          <p:nvPr/>
-        </p:nvSpPr>
-        <p:spPr bwMode="auto">
-          <a:xfrm>
-            <a:off x="460375" y="160337"/>
-            <a:ext cx="304800" cy="304801"/>
-          </a:xfrm>
-          <a:prstGeom prst="rect">
-            <a:avLst/>
-          </a:prstGeom>
-          <a:noFill/>
-          <a:extLst>
-            <a:ext uri="{909E8E84-426E-40DD-AFC4-6F175D3DCCD1}">
-              <a14:hiddenFill xmlns:a14="http://schemas.microsoft.com/office/drawing/2010/main">
-                <a:solidFill>
-                  <a:srgbClr val="FFFFFF"/>
-                </a:solidFill>
-              </a14:hiddenFill>
-            </a:ext>
-          </a:extLst>
-        </p:spPr>
-        <p:txBody>
-          <a:bodyPr vert="horz" wrap="square" lIns="91440" tIns="45720" rIns="91440" bIns="45720" numCol="1" anchor="t" anchorCtr="0" compatLnSpc="1">
-            <a:prstTxWarp prst="textNoShape">
-              <a:avLst/>
-            </a:prstTxWarp>
-          </a:bodyPr>
-          <a:lstStyle/>
-          <a:p>
-            <a:endParaRPr lang="en-US"/>
-          </a:p>
-        </p:txBody>
-      </p:sp>
       <p:pic>
         <p:nvPicPr>
-          <p:cNvPr id="2059" name="Picture 11"/>
+          <p:cNvPr id="1030" name="Picture 6" descr="https://lh4.ggpht.com/tbqpZU8R_tpObw9pZhDsW6qVvBdc1x5l7A5yH3o-lyDbVZ7sSHVpcWVb3wU1tP4TOvc=w300"/>
           <p:cNvPicPr>
             <a:picLocks noChangeAspect="1" noChangeArrowheads="1"/>
           </p:cNvPicPr>
@@ -3926,47 +4039,34 @@
         </p:blipFill>
         <p:spPr bwMode="auto">
           <a:xfrm>
-            <a:off x="207500" y="1676400"/>
-            <a:ext cx="2688100" cy="4836688"/>
+            <a:off x="3414195" y="1524000"/>
+            <a:ext cx="1781176" cy="1781176"/>
           </a:xfrm>
           <a:prstGeom prst="rect">
             <a:avLst/>
           </a:prstGeom>
           <a:noFill/>
-          <a:ln>
-            <a:noFill/>
-          </a:ln>
           <a:extLst>
             <a:ext uri="{909E8E84-426E-40DD-AFC4-6F175D3DCCD1}">
               <a14:hiddenFill xmlns:a14="http://schemas.microsoft.com/office/drawing/2010/main">
                 <a:solidFill>
-                  <a:schemeClr val="accent1"/>
+                  <a:srgbClr val="FFFFFF"/>
                 </a:solidFill>
               </a14:hiddenFill>
             </a:ext>
-            <a:ext uri="{91240B29-F687-4F45-9708-019B960494DF}">
-              <a14:hiddenLine xmlns:a14="http://schemas.microsoft.com/office/drawing/2010/main" w="9525">
-                <a:solidFill>
-                  <a:schemeClr val="tx1"/>
-                </a:solidFill>
-                <a:miter lim="800000"/>
-                <a:headEnd/>
-                <a:tailEnd/>
-              </a14:hiddenLine>
-            </a:ext>
           </a:extLst>
         </p:spPr>
       </p:pic>
       <p:sp>
         <p:nvSpPr>
-          <p:cNvPr id="7" name="TextBox 6"/>
+          <p:cNvPr id="9" name="TextBox 8"/>
           <p:cNvSpPr txBox="1"/>
           <p:nvPr/>
         </p:nvSpPr>
         <p:spPr>
           <a:xfrm>
-            <a:off x="381000" y="1078468"/>
-            <a:ext cx="8455025" cy="369332"/>
+            <a:off x="2347395" y="1752868"/>
+            <a:ext cx="828675" cy="1323439"/>
           </a:xfrm>
           <a:prstGeom prst="rect">
             <a:avLst/>
@@ -3980,8 +4080,88 @@
           <a:lstStyle/>
           <a:p>
             <a:r>
+              <a:rPr lang="en-US" sz="8000" dirty="0" smtClean="0"/>
+              <a:t>+</a:t>
+            </a:r>
+            <a:endParaRPr lang="en-US" sz="8000" dirty="0"/>
+          </a:p>
+        </p:txBody>
+      </p:sp>
+      <p:sp>
+        <p:nvSpPr>
+          <p:cNvPr id="12" name="TextBox 11"/>
+          <p:cNvSpPr txBox="1"/>
+          <p:nvPr/>
+        </p:nvSpPr>
+        <p:spPr>
+          <a:xfrm>
+            <a:off x="685800" y="4495800"/>
+            <a:ext cx="8074025" cy="1754326"/>
+          </a:xfrm>
+          <a:prstGeom prst="rect">
+            <a:avLst/>
+          </a:prstGeom>
+          <a:noFill/>
+        </p:spPr>
+        <p:txBody>
+          <a:bodyPr wrap="square" rtlCol="0">
+            <a:spAutoFit/>
+          </a:bodyPr>
+          <a:lstStyle/>
+          <a:p>
+            <a:r>
               <a:rPr lang="en-US" dirty="0" smtClean="0"/>
-              <a:t>            Android			iPhone			Windows Phone</a:t>
+              <a:t>Notable Features:</a:t>
+            </a:r>
+          </a:p>
+          <a:p>
+            <a:pPr marL="285750" indent="-285750">
+              <a:buFont typeface="Arial" panose="020B0604020202020204" pitchFamily="34" charset="0"/>
+              <a:buChar char="•"/>
+            </a:pPr>
+            <a:r>
+              <a:rPr lang="en-US" dirty="0" smtClean="0"/>
+              <a:t>Challenging calorie tracking</a:t>
+            </a:r>
+          </a:p>
+          <a:p>
+            <a:pPr marL="285750" indent="-285750">
+              <a:buFont typeface="Arial" panose="020B0604020202020204" pitchFamily="34" charset="0"/>
+              <a:buChar char="•"/>
+            </a:pPr>
+            <a:r>
+              <a:rPr lang="en-US" dirty="0" smtClean="0"/>
+              <a:t>Focus on motivational weight loss</a:t>
+            </a:r>
+          </a:p>
+          <a:p>
+            <a:pPr marL="285750" indent="-285750">
+              <a:buFont typeface="Arial" panose="020B0604020202020204" pitchFamily="34" charset="0"/>
+              <a:buChar char="•"/>
+            </a:pPr>
+            <a:r>
+              <a:rPr lang="en-US" dirty="0" smtClean="0"/>
+              <a:t>Available for iOS, Android, and Windows Phone 8</a:t>
+            </a:r>
+          </a:p>
+          <a:p>
+            <a:pPr marL="285750" indent="-285750">
+              <a:buFont typeface="Arial" panose="020B0604020202020204" pitchFamily="34" charset="0"/>
+              <a:buChar char="•"/>
+            </a:pPr>
+            <a:r>
+              <a:rPr lang="en-US" dirty="0" smtClean="0"/>
+              <a:t>Price varies: from $0.99 to $2.99</a:t>
+            </a:r>
+          </a:p>
+          <a:p>
+            <a:pPr marL="285750" indent="-285750">
+              <a:buFont typeface="Arial" panose="020B0604020202020204" pitchFamily="34" charset="0"/>
+              <a:buChar char="•"/>
+            </a:pPr>
+            <a:r>
+              <a:rPr lang="en-US" dirty="0" smtClean="0"/>
+              <a:t>8,000 users in 9 months</a:t>
             </a:r>
             <a:endParaRPr lang="en-US" dirty="0"/>
           </a:p>
@@ -3990,7 +4170,7 @@
     </p:spTree>
     <p:extLst>
       <p:ext uri="{BB962C8B-B14F-4D97-AF65-F5344CB8AC3E}">
-        <p14:creationId xmlns:p14="http://schemas.microsoft.com/office/powerpoint/2010/main" val="3426371216"/>
+        <p14:creationId xmlns:p14="http://schemas.microsoft.com/office/powerpoint/2010/main" val="3005185392"/>
       </p:ext>
     </p:extLst>
   </p:cSld>
@@ -4034,12 +4214,128 @@
             <p:ph sz="quarter" idx="13"/>
           </p:nvPr>
         </p:nvSpPr>
-        <p:spPr/>
-        <p:txBody>
-          <a:bodyPr/>
-          <a:lstStyle/>
-          <a:p>
-            <a:endParaRPr lang="en-US"/>
+        <p:spPr>
+          <a:xfrm>
+            <a:off x="3157599" y="914400"/>
+            <a:ext cx="4267200" cy="5410200"/>
+          </a:xfrm>
+        </p:spPr>
+        <p:txBody>
+          <a:bodyPr>
+            <a:normAutofit fontScale="92500" lnSpcReduction="10000"/>
+          </a:bodyPr>
+          <a:lstStyle/>
+          <a:p>
+            <a:r>
+              <a:rPr lang="en-US" i="0" dirty="0" smtClean="0"/>
+              <a:t>Sublime Text 2: </a:t>
+            </a:r>
+          </a:p>
+          <a:p>
+            <a:pPr lvl="1"/>
+            <a:r>
+              <a:rPr lang="en-US" i="0" dirty="0" smtClean="0"/>
+              <a:t>development</a:t>
+            </a:r>
+          </a:p>
+          <a:p>
+            <a:endParaRPr lang="en-US" i="0" dirty="0" smtClean="0"/>
+          </a:p>
+          <a:p>
+            <a:endParaRPr lang="en-US" i="0" dirty="0" smtClean="0"/>
+          </a:p>
+          <a:p>
+            <a:r>
+              <a:rPr lang="en-US" i="0" dirty="0" smtClean="0"/>
+              <a:t>PhoneGap Build:</a:t>
+            </a:r>
+          </a:p>
+          <a:p>
+            <a:pPr lvl="1"/>
+            <a:r>
+              <a:rPr lang="en-US" i="0" dirty="0" smtClean="0"/>
+              <a:t>Cloud-based PhoneGap service</a:t>
+            </a:r>
+          </a:p>
+          <a:p>
+            <a:pPr lvl="1"/>
+            <a:r>
+              <a:rPr lang="en-US" i="0" dirty="0" smtClean="0"/>
+              <a:t>Native apps created for you!</a:t>
+            </a:r>
+          </a:p>
+          <a:p>
+            <a:pPr lvl="1"/>
+            <a:endParaRPr lang="en-US" i="0" dirty="0" smtClean="0"/>
+          </a:p>
+          <a:p>
+            <a:pPr lvl="1"/>
+            <a:endParaRPr lang="en-US" i="0" dirty="0" smtClean="0"/>
+          </a:p>
+          <a:p>
+            <a:r>
+              <a:rPr lang="en-US" i="0" dirty="0" smtClean="0">
+                <a:hlinkClick r:id="rId2"/>
+              </a:rPr>
+              <a:t>Kendo UI Mobile </a:t>
+            </a:r>
+            <a:r>
+              <a:rPr lang="en-US" i="0" dirty="0" smtClean="0"/>
+              <a:t>for PhoneGap:</a:t>
+            </a:r>
+          </a:p>
+          <a:p>
+            <a:pPr lvl="1"/>
+            <a:r>
+              <a:rPr lang="en-US" i="0" dirty="0" smtClean="0"/>
+              <a:t>Automatic platform styling</a:t>
+            </a:r>
+          </a:p>
+          <a:p>
+            <a:pPr lvl="1"/>
+            <a:r>
+              <a:rPr lang="en-US" i="0" dirty="0" smtClean="0"/>
+              <a:t>Fast implementation</a:t>
+            </a:r>
+          </a:p>
+          <a:p>
+            <a:pPr lvl="1"/>
+            <a:r>
+              <a:rPr lang="en-US" i="0" dirty="0" smtClean="0"/>
+              <a:t>Core features now open-source!</a:t>
+            </a:r>
+          </a:p>
+          <a:p>
+            <a:pPr lvl="1"/>
+            <a:endParaRPr lang="en-US" i="0" dirty="0" smtClean="0"/>
+          </a:p>
+          <a:p>
+            <a:r>
+              <a:rPr lang="en-US" i="0" dirty="0" smtClean="0"/>
+              <a:t>Current Test Devices: </a:t>
+            </a:r>
+          </a:p>
+          <a:p>
+            <a:pPr lvl="1"/>
+            <a:r>
+              <a:rPr lang="en-US" i="0" dirty="0" smtClean="0"/>
+              <a:t>iPad mini Retina</a:t>
+            </a:r>
+          </a:p>
+          <a:p>
+            <a:pPr lvl="1"/>
+            <a:r>
+              <a:rPr lang="en-US" i="0" dirty="0" smtClean="0"/>
+              <a:t>Samsung Galaxy S3</a:t>
+            </a:r>
+          </a:p>
+          <a:p>
+            <a:pPr lvl="1"/>
+            <a:r>
+              <a:rPr lang="en-US" i="0" dirty="0" smtClean="0"/>
+              <a:t>Lumia 1020</a:t>
+            </a:r>
+            <a:endParaRPr lang="en-US" i="0" dirty="0"/>
           </a:p>
         </p:txBody>
       </p:sp>
@@ -4053,19 +4349,1242 @@
             <p:ph type="title"/>
           </p:nvPr>
         </p:nvSpPr>
-        <p:spPr/>
-        <p:txBody>
-          <a:bodyPr/>
-          <a:lstStyle/>
-          <a:p>
-            <a:endParaRPr lang="en-US"/>
-          </a:p>
-        </p:txBody>
-      </p:sp>
+        <p:spPr>
+          <a:xfrm>
+            <a:off x="3717852" y="152400"/>
+            <a:ext cx="2073348" cy="609600"/>
+          </a:xfrm>
+        </p:spPr>
+        <p:txBody>
+          <a:bodyPr>
+            <a:normAutofit/>
+          </a:bodyPr>
+          <a:lstStyle/>
+          <a:p>
+            <a:r>
+              <a:rPr lang="en-US" sz="2500" dirty="0" smtClean="0"/>
+              <a:t>Tools</a:t>
+            </a:r>
+            <a:endParaRPr lang="en-US" sz="2500" dirty="0"/>
+          </a:p>
+        </p:txBody>
+      </p:sp>
+      <p:pic>
+        <p:nvPicPr>
+          <p:cNvPr id="2052" name="Picture 4" descr="https://build.phonegap.com/images/marketing/buildbot-hero.png"/>
+          <p:cNvPicPr>
+            <a:picLocks noChangeAspect="1" noChangeArrowheads="1"/>
+          </p:cNvPicPr>
+          <p:nvPr/>
+        </p:nvPicPr>
+        <p:blipFill>
+          <a:blip r:embed="rId3" cstate="print">
+            <a:extLst>
+              <a:ext uri="{28A0092B-C50C-407E-A947-70E740481C1C}">
+                <a14:useLocalDpi xmlns:a14="http://schemas.microsoft.com/office/drawing/2010/main" val="0"/>
+              </a:ext>
+            </a:extLst>
+          </a:blip>
+          <a:srcRect/>
+          <a:stretch>
+            <a:fillRect/>
+          </a:stretch>
+        </p:blipFill>
+        <p:spPr bwMode="auto">
+          <a:xfrm>
+            <a:off x="1690755" y="1828800"/>
+            <a:ext cx="1267601" cy="1072058"/>
+          </a:xfrm>
+          <a:prstGeom prst="rect">
+            <a:avLst/>
+          </a:prstGeom>
+          <a:noFill/>
+          <a:extLst>
+            <a:ext uri="{909E8E84-426E-40DD-AFC4-6F175D3DCCD1}">
+              <a14:hiddenFill xmlns:a14="http://schemas.microsoft.com/office/drawing/2010/main">
+                <a:solidFill>
+                  <a:srgbClr val="FFFFFF"/>
+                </a:solidFill>
+              </a14:hiddenFill>
+            </a:ext>
+          </a:extLst>
+        </p:spPr>
+      </p:pic>
+      <p:pic>
+        <p:nvPicPr>
+          <p:cNvPr id="2054" name="Picture 6" descr="http://upload.wikimedia.org/wikipedia/en/4/4c/Sublime_Text_Logo.png"/>
+          <p:cNvPicPr>
+            <a:picLocks noChangeAspect="1" noChangeArrowheads="1"/>
+          </p:cNvPicPr>
+          <p:nvPr/>
+        </p:nvPicPr>
+        <p:blipFill>
+          <a:blip r:embed="rId4" cstate="print">
+            <a:extLst>
+              <a:ext uri="{28A0092B-C50C-407E-A947-70E740481C1C}">
+                <a14:useLocalDpi xmlns:a14="http://schemas.microsoft.com/office/drawing/2010/main" val="0"/>
+              </a:ext>
+            </a:extLst>
+          </a:blip>
+          <a:srcRect/>
+          <a:stretch>
+            <a:fillRect/>
+          </a:stretch>
+        </p:blipFill>
+        <p:spPr bwMode="auto">
+          <a:xfrm>
+            <a:off x="1753058" y="762000"/>
+            <a:ext cx="967052" cy="967052"/>
+          </a:xfrm>
+          <a:prstGeom prst="rect">
+            <a:avLst/>
+          </a:prstGeom>
+          <a:noFill/>
+          <a:extLst>
+            <a:ext uri="{909E8E84-426E-40DD-AFC4-6F175D3DCCD1}">
+              <a14:hiddenFill xmlns:a14="http://schemas.microsoft.com/office/drawing/2010/main">
+                <a:solidFill>
+                  <a:srgbClr val="FFFFFF"/>
+                </a:solidFill>
+              </a14:hiddenFill>
+            </a:ext>
+          </a:extLst>
+        </p:spPr>
+      </p:pic>
+      <p:pic>
+        <p:nvPicPr>
+          <p:cNvPr id="2056" name="Picture 8" descr="https://lh6.googleusercontent.com/-95XOZAfaeOc/AAAAAAAAAAI/AAAAAAAAAX8/tPCUmEbNrx8/photo.jpg"/>
+          <p:cNvPicPr>
+            <a:picLocks noChangeAspect="1" noChangeArrowheads="1"/>
+          </p:cNvPicPr>
+          <p:nvPr/>
+        </p:nvPicPr>
+        <p:blipFill>
+          <a:blip r:embed="rId5" cstate="print">
+            <a:extLst>
+              <a:ext uri="{28A0092B-C50C-407E-A947-70E740481C1C}">
+                <a14:useLocalDpi xmlns:a14="http://schemas.microsoft.com/office/drawing/2010/main" val="0"/>
+              </a:ext>
+            </a:extLst>
+          </a:blip>
+          <a:srcRect/>
+          <a:stretch>
+            <a:fillRect/>
+          </a:stretch>
+        </p:blipFill>
+        <p:spPr bwMode="auto">
+          <a:xfrm>
+            <a:off x="1841028" y="3352800"/>
+            <a:ext cx="967053" cy="967053"/>
+          </a:xfrm>
+          <a:prstGeom prst="rect">
+            <a:avLst/>
+          </a:prstGeom>
+          <a:noFill/>
+          <a:extLst>
+            <a:ext uri="{909E8E84-426E-40DD-AFC4-6F175D3DCCD1}">
+              <a14:hiddenFill xmlns:a14="http://schemas.microsoft.com/office/drawing/2010/main">
+                <a:solidFill>
+                  <a:srgbClr val="FFFFFF"/>
+                </a:solidFill>
+              </a14:hiddenFill>
+            </a:ext>
+          </a:extLst>
+        </p:spPr>
+      </p:pic>
+      <p:pic>
+        <p:nvPicPr>
+          <p:cNvPr id="2058" name="Picture 10" descr="http://images.gizmag.com/hero/ipadmini.jpg"/>
+          <p:cNvPicPr>
+            <a:picLocks noChangeAspect="1" noChangeArrowheads="1"/>
+          </p:cNvPicPr>
+          <p:nvPr/>
+        </p:nvPicPr>
+        <p:blipFill>
+          <a:blip r:embed="rId6" cstate="print">
+            <a:extLst>
+              <a:ext uri="{28A0092B-C50C-407E-A947-70E740481C1C}">
+                <a14:useLocalDpi xmlns:a14="http://schemas.microsoft.com/office/drawing/2010/main" val="0"/>
+              </a:ext>
+            </a:extLst>
+          </a:blip>
+          <a:srcRect/>
+          <a:stretch>
+            <a:fillRect/>
+          </a:stretch>
+        </p:blipFill>
+        <p:spPr bwMode="auto">
+          <a:xfrm>
+            <a:off x="1564349" y="5029200"/>
+            <a:ext cx="1559851" cy="874105"/>
+          </a:xfrm>
+          <a:prstGeom prst="rect">
+            <a:avLst/>
+          </a:prstGeom>
+          <a:noFill/>
+          <a:extLst>
+            <a:ext uri="{909E8E84-426E-40DD-AFC4-6F175D3DCCD1}">
+              <a14:hiddenFill xmlns:a14="http://schemas.microsoft.com/office/drawing/2010/main">
+                <a:solidFill>
+                  <a:srgbClr val="FFFFFF"/>
+                </a:solidFill>
+              </a14:hiddenFill>
+            </a:ext>
+          </a:extLst>
+        </p:spPr>
+      </p:pic>
     </p:spTree>
     <p:extLst>
       <p:ext uri="{BB962C8B-B14F-4D97-AF65-F5344CB8AC3E}">
         <p14:creationId xmlns:p14="http://schemas.microsoft.com/office/powerpoint/2010/main" val="2042000057"/>
+      </p:ext>
+    </p:extLst>
+  </p:cSld>
+  <p:clrMapOvr>
+    <a:masterClrMapping/>
+  </p:clrMapOvr>
+  <p:timing>
+    <p:tnLst>
+      <p:par>
+        <p:cTn id="1" dur="indefinite" restart="never" nodeType="tmRoot"/>
+      </p:par>
+    </p:tnLst>
+  </p:timing>
+</p:sld>
+</file>
+
+<file path=ppt/slides/slide5.xml><?xml version="1.0" encoding="utf-8"?>
+<p:sld xmlns:a="http://schemas.openxmlformats.org/drawingml/2006/main" xmlns:r="http://schemas.openxmlformats.org/officeDocument/2006/relationships" xmlns:p="http://schemas.openxmlformats.org/presentationml/2006/main">
+  <p:cSld>
+    <p:spTree>
+      <p:nvGrpSpPr>
+        <p:cNvPr id="1" name=""/>
+        <p:cNvGrpSpPr/>
+        <p:nvPr/>
+      </p:nvGrpSpPr>
+      <p:grpSpPr>
+        <a:xfrm>
+          <a:off x="0" y="0"/>
+          <a:ext cx="0" cy="0"/>
+          <a:chOff x="0" y="0"/>
+          <a:chExt cx="0" cy="0"/>
+        </a:xfrm>
+      </p:grpSpPr>
+      <p:sp>
+        <p:nvSpPr>
+          <p:cNvPr id="3" name="Title 2"/>
+          <p:cNvSpPr>
+            <a:spLocks noGrp="1"/>
+          </p:cNvSpPr>
+          <p:nvPr>
+            <p:ph type="title"/>
+          </p:nvPr>
+        </p:nvSpPr>
+        <p:spPr>
+          <a:xfrm>
+            <a:off x="2819400" y="160338"/>
+            <a:ext cx="4306888" cy="471055"/>
+          </a:xfrm>
+        </p:spPr>
+        <p:txBody>
+          <a:bodyPr>
+            <a:noAutofit/>
+          </a:bodyPr>
+          <a:lstStyle/>
+          <a:p>
+            <a:r>
+              <a:rPr lang="en-US" sz="2500" dirty="0" smtClean="0"/>
+              <a:t>Platform Versions</a:t>
+            </a:r>
+            <a:endParaRPr lang="en-US" sz="2500" dirty="0"/>
+          </a:p>
+        </p:txBody>
+      </p:sp>
+      <p:pic>
+        <p:nvPicPr>
+          <p:cNvPr id="2050" name="Picture 2" descr="https://s4.mzstatic.com/us/r30/Purple/v4/19/a1/11/19a11158-9c6c-bdcb-ae3f-85d89d51a539/mzl.ckfjgpxo.png?downloadKey=1402969696_b1547a092671ba7d7c1ded8edb08406c"/>
+          <p:cNvPicPr>
+            <a:picLocks noChangeAspect="1" noChangeArrowheads="1"/>
+          </p:cNvPicPr>
+          <p:nvPr/>
+        </p:nvPicPr>
+        <p:blipFill>
+          <a:blip r:embed="rId2">
+            <a:extLst>
+              <a:ext uri="{28A0092B-C50C-407E-A947-70E740481C1C}">
+                <a14:useLocalDpi xmlns:a14="http://schemas.microsoft.com/office/drawing/2010/main" val="0"/>
+              </a:ext>
+            </a:extLst>
+          </a:blip>
+          <a:srcRect/>
+          <a:stretch>
+            <a:fillRect/>
+          </a:stretch>
+        </p:blipFill>
+        <p:spPr bwMode="auto">
+          <a:xfrm>
+            <a:off x="3119907" y="1676400"/>
+            <a:ext cx="2747493" cy="4876800"/>
+          </a:xfrm>
+          <a:prstGeom prst="rect">
+            <a:avLst/>
+          </a:prstGeom>
+          <a:noFill/>
+          <a:extLst>
+            <a:ext uri="{909E8E84-426E-40DD-AFC4-6F175D3DCCD1}">
+              <a14:hiddenFill xmlns:a14="http://schemas.microsoft.com/office/drawing/2010/main">
+                <a:solidFill>
+                  <a:srgbClr val="FFFFFF"/>
+                </a:solidFill>
+              </a14:hiddenFill>
+            </a:ext>
+          </a:extLst>
+        </p:spPr>
+      </p:pic>
+      <p:pic>
+        <p:nvPicPr>
+          <p:cNvPr id="2052" name="Picture 4" descr="1 of 4"/>
+          <p:cNvPicPr>
+            <a:picLocks noChangeAspect="1" noChangeArrowheads="1"/>
+          </p:cNvPicPr>
+          <p:nvPr/>
+        </p:nvPicPr>
+        <p:blipFill>
+          <a:blip r:embed="rId3">
+            <a:extLst>
+              <a:ext uri="{28A0092B-C50C-407E-A947-70E740481C1C}">
+                <a14:useLocalDpi xmlns:a14="http://schemas.microsoft.com/office/drawing/2010/main" val="0"/>
+              </a:ext>
+            </a:extLst>
+          </a:blip>
+          <a:srcRect/>
+          <a:stretch>
+            <a:fillRect/>
+          </a:stretch>
+        </p:blipFill>
+        <p:spPr bwMode="auto">
+          <a:xfrm>
+            <a:off x="6096000" y="1676400"/>
+            <a:ext cx="2927860" cy="4876800"/>
+          </a:xfrm>
+          <a:prstGeom prst="rect">
+            <a:avLst/>
+          </a:prstGeom>
+          <a:noFill/>
+          <a:extLst>
+            <a:ext uri="{909E8E84-426E-40DD-AFC4-6F175D3DCCD1}">
+              <a14:hiddenFill xmlns:a14="http://schemas.microsoft.com/office/drawing/2010/main">
+                <a:solidFill>
+                  <a:srgbClr val="FFFFFF"/>
+                </a:solidFill>
+              </a14:hiddenFill>
+            </a:ext>
+          </a:extLst>
+        </p:spPr>
+      </p:pic>
+      <p:sp>
+        <p:nvSpPr>
+          <p:cNvPr id="4" name="AutoShape 6" descr="Fitwatchr for Fitbit - screenshot"/>
+          <p:cNvSpPr>
+            <a:spLocks noChangeAspect="1" noChangeArrowheads="1"/>
+          </p:cNvSpPr>
+          <p:nvPr/>
+        </p:nvSpPr>
+        <p:spPr bwMode="auto">
+          <a:xfrm>
+            <a:off x="155575" y="-144463"/>
+            <a:ext cx="304800" cy="304801"/>
+          </a:xfrm>
+          <a:prstGeom prst="rect">
+            <a:avLst/>
+          </a:prstGeom>
+          <a:noFill/>
+          <a:extLst>
+            <a:ext uri="{909E8E84-426E-40DD-AFC4-6F175D3DCCD1}">
+              <a14:hiddenFill xmlns:a14="http://schemas.microsoft.com/office/drawing/2010/main">
+                <a:solidFill>
+                  <a:srgbClr val="FFFFFF"/>
+                </a:solidFill>
+              </a14:hiddenFill>
+            </a:ext>
+          </a:extLst>
+        </p:spPr>
+        <p:txBody>
+          <a:bodyPr vert="horz" wrap="square" lIns="91440" tIns="45720" rIns="91440" bIns="45720" numCol="1" anchor="t" anchorCtr="0" compatLnSpc="1">
+            <a:prstTxWarp prst="textNoShape">
+              <a:avLst/>
+            </a:prstTxWarp>
+          </a:bodyPr>
+          <a:lstStyle/>
+          <a:p>
+            <a:endParaRPr lang="en-US"/>
+          </a:p>
+        </p:txBody>
+      </p:sp>
+      <p:sp>
+        <p:nvSpPr>
+          <p:cNvPr id="5" name="AutoShape 8" descr="Fitwatchr for Fitbit - screenshot"/>
+          <p:cNvSpPr>
+            <a:spLocks noChangeAspect="1" noChangeArrowheads="1"/>
+          </p:cNvSpPr>
+          <p:nvPr/>
+        </p:nvSpPr>
+        <p:spPr bwMode="auto">
+          <a:xfrm>
+            <a:off x="307975" y="7937"/>
+            <a:ext cx="304800" cy="304801"/>
+          </a:xfrm>
+          <a:prstGeom prst="rect">
+            <a:avLst/>
+          </a:prstGeom>
+          <a:noFill/>
+          <a:extLst>
+            <a:ext uri="{909E8E84-426E-40DD-AFC4-6F175D3DCCD1}">
+              <a14:hiddenFill xmlns:a14="http://schemas.microsoft.com/office/drawing/2010/main">
+                <a:solidFill>
+                  <a:srgbClr val="FFFFFF"/>
+                </a:solidFill>
+              </a14:hiddenFill>
+            </a:ext>
+          </a:extLst>
+        </p:spPr>
+        <p:txBody>
+          <a:bodyPr vert="horz" wrap="square" lIns="91440" tIns="45720" rIns="91440" bIns="45720" numCol="1" anchor="t" anchorCtr="0" compatLnSpc="1">
+            <a:prstTxWarp prst="textNoShape">
+              <a:avLst/>
+            </a:prstTxWarp>
+          </a:bodyPr>
+          <a:lstStyle/>
+          <a:p>
+            <a:endParaRPr lang="en-US"/>
+          </a:p>
+        </p:txBody>
+      </p:sp>
+      <p:sp>
+        <p:nvSpPr>
+          <p:cNvPr id="6" name="AutoShape 10" descr="Fitwatchr for Fitbit - screenshot"/>
+          <p:cNvSpPr>
+            <a:spLocks noChangeAspect="1" noChangeArrowheads="1"/>
+          </p:cNvSpPr>
+          <p:nvPr/>
+        </p:nvSpPr>
+        <p:spPr bwMode="auto">
+          <a:xfrm>
+            <a:off x="460375" y="160337"/>
+            <a:ext cx="304800" cy="304801"/>
+          </a:xfrm>
+          <a:prstGeom prst="rect">
+            <a:avLst/>
+          </a:prstGeom>
+          <a:noFill/>
+          <a:extLst>
+            <a:ext uri="{909E8E84-426E-40DD-AFC4-6F175D3DCCD1}">
+              <a14:hiddenFill xmlns:a14="http://schemas.microsoft.com/office/drawing/2010/main">
+                <a:solidFill>
+                  <a:srgbClr val="FFFFFF"/>
+                </a:solidFill>
+              </a14:hiddenFill>
+            </a:ext>
+          </a:extLst>
+        </p:spPr>
+        <p:txBody>
+          <a:bodyPr vert="horz" wrap="square" lIns="91440" tIns="45720" rIns="91440" bIns="45720" numCol="1" anchor="t" anchorCtr="0" compatLnSpc="1">
+            <a:prstTxWarp prst="textNoShape">
+              <a:avLst/>
+            </a:prstTxWarp>
+          </a:bodyPr>
+          <a:lstStyle/>
+          <a:p>
+            <a:endParaRPr lang="en-US"/>
+          </a:p>
+        </p:txBody>
+      </p:sp>
+      <p:pic>
+        <p:nvPicPr>
+          <p:cNvPr id="2059" name="Picture 11"/>
+          <p:cNvPicPr>
+            <a:picLocks noChangeAspect="1" noChangeArrowheads="1"/>
+          </p:cNvPicPr>
+          <p:nvPr/>
+        </p:nvPicPr>
+        <p:blipFill>
+          <a:blip r:embed="rId4">
+            <a:extLst>
+              <a:ext uri="{28A0092B-C50C-407E-A947-70E740481C1C}">
+                <a14:useLocalDpi xmlns:a14="http://schemas.microsoft.com/office/drawing/2010/main" val="0"/>
+              </a:ext>
+            </a:extLst>
+          </a:blip>
+          <a:srcRect/>
+          <a:stretch>
+            <a:fillRect/>
+          </a:stretch>
+        </p:blipFill>
+        <p:spPr bwMode="auto">
+          <a:xfrm>
+            <a:off x="207500" y="1676400"/>
+            <a:ext cx="2688100" cy="4836688"/>
+          </a:xfrm>
+          <a:prstGeom prst="rect">
+            <a:avLst/>
+          </a:prstGeom>
+          <a:noFill/>
+          <a:ln>
+            <a:noFill/>
+          </a:ln>
+          <a:extLst>
+            <a:ext uri="{909E8E84-426E-40DD-AFC4-6F175D3DCCD1}">
+              <a14:hiddenFill xmlns:a14="http://schemas.microsoft.com/office/drawing/2010/main">
+                <a:solidFill>
+                  <a:schemeClr val="accent1"/>
+                </a:solidFill>
+              </a14:hiddenFill>
+            </a:ext>
+            <a:ext uri="{91240B29-F687-4F45-9708-019B960494DF}">
+              <a14:hiddenLine xmlns:a14="http://schemas.microsoft.com/office/drawing/2010/main" w="9525">
+                <a:solidFill>
+                  <a:schemeClr val="tx1"/>
+                </a:solidFill>
+                <a:miter lim="800000"/>
+                <a:headEnd/>
+                <a:tailEnd/>
+              </a14:hiddenLine>
+            </a:ext>
+          </a:extLst>
+        </p:spPr>
+      </p:pic>
+      <p:sp>
+        <p:nvSpPr>
+          <p:cNvPr id="7" name="TextBox 6"/>
+          <p:cNvSpPr txBox="1"/>
+          <p:nvPr/>
+        </p:nvSpPr>
+        <p:spPr>
+          <a:xfrm>
+            <a:off x="381000" y="1078468"/>
+            <a:ext cx="8455025" cy="369332"/>
+          </a:xfrm>
+          <a:prstGeom prst="rect">
+            <a:avLst/>
+          </a:prstGeom>
+          <a:noFill/>
+        </p:spPr>
+        <p:txBody>
+          <a:bodyPr wrap="square" rtlCol="0">
+            <a:spAutoFit/>
+          </a:bodyPr>
+          <a:lstStyle/>
+          <a:p>
+            <a:r>
+              <a:rPr lang="en-US" dirty="0" smtClean="0"/>
+              <a:t>            Android			iPhone			Windows Phone</a:t>
+            </a:r>
+            <a:endParaRPr lang="en-US" dirty="0"/>
+          </a:p>
+        </p:txBody>
+      </p:sp>
+    </p:spTree>
+    <p:extLst>
+      <p:ext uri="{BB962C8B-B14F-4D97-AF65-F5344CB8AC3E}">
+        <p14:creationId xmlns:p14="http://schemas.microsoft.com/office/powerpoint/2010/main" val="3426371216"/>
+      </p:ext>
+    </p:extLst>
+  </p:cSld>
+  <p:clrMapOvr>
+    <a:masterClrMapping/>
+  </p:clrMapOvr>
+  <p:timing>
+    <p:tnLst>
+      <p:par>
+        <p:cTn id="1" dur="indefinite" restart="never" nodeType="tmRoot"/>
+      </p:par>
+    </p:tnLst>
+  </p:timing>
+</p:sld>
+</file>
+
+<file path=ppt/slides/slide6.xml><?xml version="1.0" encoding="utf-8"?>
+<p:sld xmlns:a="http://schemas.openxmlformats.org/drawingml/2006/main" xmlns:r="http://schemas.openxmlformats.org/officeDocument/2006/relationships" xmlns:p="http://schemas.openxmlformats.org/presentationml/2006/main">
+  <p:cSld>
+    <p:spTree>
+      <p:nvGrpSpPr>
+        <p:cNvPr id="1" name=""/>
+        <p:cNvGrpSpPr/>
+        <p:nvPr/>
+      </p:nvGrpSpPr>
+      <p:grpSpPr>
+        <a:xfrm>
+          <a:off x="0" y="0"/>
+          <a:ext cx="0" cy="0"/>
+          <a:chOff x="0" y="0"/>
+          <a:chExt cx="0" cy="0"/>
+        </a:xfrm>
+      </p:grpSpPr>
+      <p:sp>
+        <p:nvSpPr>
+          <p:cNvPr id="2" name="Content Placeholder 1"/>
+          <p:cNvSpPr>
+            <a:spLocks noGrp="1"/>
+          </p:cNvSpPr>
+          <p:nvPr>
+            <p:ph sz="quarter" idx="13"/>
+          </p:nvPr>
+        </p:nvSpPr>
+        <p:spPr>
+          <a:xfrm>
+            <a:off x="533400" y="914400"/>
+            <a:ext cx="7924800" cy="762000"/>
+          </a:xfrm>
+        </p:spPr>
+        <p:txBody>
+          <a:bodyPr/>
+          <a:lstStyle/>
+          <a:p>
+            <a:r>
+              <a:rPr lang="en-US" dirty="0" smtClean="0"/>
+              <a:t>Easily build multiple versions of app from same codebase:</a:t>
+            </a:r>
+            <a:endParaRPr lang="en-US" dirty="0"/>
+          </a:p>
+        </p:txBody>
+      </p:sp>
+      <p:sp>
+        <p:nvSpPr>
+          <p:cNvPr id="3" name="Title 2"/>
+          <p:cNvSpPr>
+            <a:spLocks noGrp="1"/>
+          </p:cNvSpPr>
+          <p:nvPr>
+            <p:ph type="title"/>
+          </p:nvPr>
+        </p:nvSpPr>
+        <p:spPr>
+          <a:xfrm>
+            <a:off x="1219200" y="152400"/>
+            <a:ext cx="8077200" cy="533400"/>
+          </a:xfrm>
+        </p:spPr>
+        <p:txBody>
+          <a:bodyPr>
+            <a:noAutofit/>
+          </a:bodyPr>
+          <a:lstStyle/>
+          <a:p>
+            <a:r>
+              <a:rPr lang="en-US" sz="2500" dirty="0" smtClean="0"/>
+              <a:t>NOTABLE PHONEGAP BUILD FEATURES</a:t>
+            </a:r>
+            <a:endParaRPr lang="en-US" sz="2500" dirty="0"/>
+          </a:p>
+        </p:txBody>
+      </p:sp>
+      <p:pic>
+        <p:nvPicPr>
+          <p:cNvPr id="3075" name="Picture 3"/>
+          <p:cNvPicPr>
+            <a:picLocks noChangeAspect="1" noChangeArrowheads="1"/>
+          </p:cNvPicPr>
+          <p:nvPr/>
+        </p:nvPicPr>
+        <p:blipFill>
+          <a:blip r:embed="rId2">
+            <a:extLst>
+              <a:ext uri="{28A0092B-C50C-407E-A947-70E740481C1C}">
+                <a14:useLocalDpi xmlns:a14="http://schemas.microsoft.com/office/drawing/2010/main" val="0"/>
+              </a:ext>
+            </a:extLst>
+          </a:blip>
+          <a:srcRect/>
+          <a:stretch>
+            <a:fillRect/>
+          </a:stretch>
+        </p:blipFill>
+        <p:spPr bwMode="auto">
+          <a:xfrm>
+            <a:off x="242888" y="881063"/>
+            <a:ext cx="8658225" cy="5095875"/>
+          </a:xfrm>
+          <a:prstGeom prst="rect">
+            <a:avLst/>
+          </a:prstGeom>
+          <a:noFill/>
+          <a:ln>
+            <a:noFill/>
+          </a:ln>
+          <a:extLst>
+            <a:ext uri="{909E8E84-426E-40DD-AFC4-6F175D3DCCD1}">
+              <a14:hiddenFill xmlns:a14="http://schemas.microsoft.com/office/drawing/2010/main">
+                <a:solidFill>
+                  <a:schemeClr val="accent1"/>
+                </a:solidFill>
+              </a14:hiddenFill>
+            </a:ext>
+            <a:ext uri="{91240B29-F687-4F45-9708-019B960494DF}">
+              <a14:hiddenLine xmlns:a14="http://schemas.microsoft.com/office/drawing/2010/main" w="9525">
+                <a:solidFill>
+                  <a:schemeClr val="tx1"/>
+                </a:solidFill>
+                <a:miter lim="800000"/>
+                <a:headEnd/>
+                <a:tailEnd/>
+              </a14:hiddenLine>
+            </a:ext>
+          </a:extLst>
+        </p:spPr>
+      </p:pic>
+    </p:spTree>
+    <p:extLst>
+      <p:ext uri="{BB962C8B-B14F-4D97-AF65-F5344CB8AC3E}">
+        <p14:creationId xmlns:p14="http://schemas.microsoft.com/office/powerpoint/2010/main" val="2592480722"/>
+      </p:ext>
+    </p:extLst>
+  </p:cSld>
+  <p:clrMapOvr>
+    <a:masterClrMapping/>
+  </p:clrMapOvr>
+  <p:timing>
+    <p:tnLst>
+      <p:par>
+        <p:cTn id="1" dur="indefinite" restart="never" nodeType="tmRoot"/>
+      </p:par>
+    </p:tnLst>
+  </p:timing>
+</p:sld>
+</file>
+
+<file path=ppt/slides/slide7.xml><?xml version="1.0" encoding="utf-8"?>
+<p:sld xmlns:a="http://schemas.openxmlformats.org/drawingml/2006/main" xmlns:r="http://schemas.openxmlformats.org/officeDocument/2006/relationships" xmlns:p="http://schemas.openxmlformats.org/presentationml/2006/main">
+  <p:cSld>
+    <p:spTree>
+      <p:nvGrpSpPr>
+        <p:cNvPr id="1" name=""/>
+        <p:cNvGrpSpPr/>
+        <p:nvPr/>
+      </p:nvGrpSpPr>
+      <p:grpSpPr>
+        <a:xfrm>
+          <a:off x="0" y="0"/>
+          <a:ext cx="0" cy="0"/>
+          <a:chOff x="0" y="0"/>
+          <a:chExt cx="0" cy="0"/>
+        </a:xfrm>
+      </p:grpSpPr>
+      <p:sp>
+        <p:nvSpPr>
+          <p:cNvPr id="2" name="Content Placeholder 1"/>
+          <p:cNvSpPr>
+            <a:spLocks noGrp="1"/>
+          </p:cNvSpPr>
+          <p:nvPr>
+            <p:ph sz="quarter" idx="13"/>
+          </p:nvPr>
+        </p:nvSpPr>
+        <p:spPr>
+          <a:xfrm>
+            <a:off x="838200" y="1219200"/>
+            <a:ext cx="6172200" cy="4572000"/>
+          </a:xfrm>
+        </p:spPr>
+        <p:txBody>
+          <a:bodyPr/>
+          <a:lstStyle/>
+          <a:p>
+            <a:r>
+              <a:rPr lang="en-US" dirty="0" smtClean="0"/>
+              <a:t>Plugins</a:t>
+            </a:r>
+          </a:p>
+          <a:p>
+            <a:pPr lvl="1"/>
+            <a:r>
+              <a:rPr lang="en-US" dirty="0" smtClean="0"/>
+              <a:t>Fill in missing native functionality:</a:t>
+            </a:r>
+          </a:p>
+          <a:p>
+            <a:pPr lvl="2"/>
+            <a:r>
+              <a:rPr lang="en-US" dirty="0" smtClean="0"/>
+              <a:t>Camera interaction</a:t>
+            </a:r>
+          </a:p>
+          <a:p>
+            <a:pPr lvl="2"/>
+            <a:r>
+              <a:rPr lang="en-US" dirty="0" smtClean="0"/>
+              <a:t>In-app Browser</a:t>
+            </a:r>
+          </a:p>
+          <a:p>
+            <a:pPr lvl="2"/>
+            <a:r>
+              <a:rPr lang="en-US" dirty="0" smtClean="0"/>
+              <a:t>Google Analytics</a:t>
+            </a:r>
+          </a:p>
+          <a:p>
+            <a:pPr lvl="2"/>
+            <a:endParaRPr lang="en-US" dirty="0" smtClean="0"/>
+          </a:p>
+          <a:p>
+            <a:r>
+              <a:rPr lang="en-US" dirty="0" smtClean="0"/>
+              <a:t>Hydration</a:t>
+            </a:r>
+          </a:p>
+          <a:p>
+            <a:pPr lvl="1"/>
+            <a:r>
+              <a:rPr lang="en-US" dirty="0" smtClean="0"/>
+              <a:t>Automatically deploy new app versions to devices</a:t>
+            </a:r>
+          </a:p>
+          <a:p>
+            <a:pPr lvl="1"/>
+            <a:r>
+              <a:rPr lang="en-US" dirty="0" smtClean="0"/>
+              <a:t>Useful individually or with a team</a:t>
+            </a:r>
+          </a:p>
+          <a:p>
+            <a:pPr lvl="1"/>
+            <a:endParaRPr lang="en-US" dirty="0" smtClean="0"/>
+          </a:p>
+          <a:p>
+            <a:r>
+              <a:rPr lang="en-US" dirty="0" smtClean="0"/>
+              <a:t>Remote debugging</a:t>
+            </a:r>
+          </a:p>
+          <a:p>
+            <a:pPr lvl="1"/>
+            <a:r>
+              <a:rPr lang="en-US" dirty="0" smtClean="0"/>
+              <a:t>Review app code, storage, etc. all in real-time</a:t>
+            </a:r>
+          </a:p>
+          <a:p>
+            <a:pPr lvl="1"/>
+            <a:r>
+              <a:rPr lang="en-US" dirty="0" smtClean="0"/>
+              <a:t>Debug plugin behavior</a:t>
+            </a:r>
+          </a:p>
+        </p:txBody>
+      </p:sp>
+      <p:sp>
+        <p:nvSpPr>
+          <p:cNvPr id="3" name="Title 2"/>
+          <p:cNvSpPr>
+            <a:spLocks noGrp="1"/>
+          </p:cNvSpPr>
+          <p:nvPr>
+            <p:ph type="title"/>
+          </p:nvPr>
+        </p:nvSpPr>
+        <p:spPr>
+          <a:xfrm>
+            <a:off x="1143000" y="228600"/>
+            <a:ext cx="7848600" cy="685800"/>
+          </a:xfrm>
+        </p:spPr>
+        <p:txBody>
+          <a:bodyPr>
+            <a:noAutofit/>
+          </a:bodyPr>
+          <a:lstStyle/>
+          <a:p>
+            <a:r>
+              <a:rPr lang="en-US" sz="2500" dirty="0" smtClean="0"/>
+              <a:t>Notable</a:t>
+            </a:r>
+            <a:r>
+              <a:rPr lang="en-US" sz="2500" baseline="0" dirty="0" smtClean="0"/>
+              <a:t> </a:t>
+            </a:r>
+            <a:r>
+              <a:rPr lang="en-US" sz="2500" baseline="0" dirty="0" err="1" smtClean="0"/>
+              <a:t>phonegap</a:t>
+            </a:r>
+            <a:r>
+              <a:rPr lang="en-US" sz="2500" baseline="0" dirty="0" smtClean="0"/>
+              <a:t> build features</a:t>
+            </a:r>
+            <a:endParaRPr lang="en-US" sz="2500" dirty="0"/>
+          </a:p>
+        </p:txBody>
+      </p:sp>
+    </p:spTree>
+    <p:extLst>
+      <p:ext uri="{BB962C8B-B14F-4D97-AF65-F5344CB8AC3E}">
+        <p14:creationId xmlns:p14="http://schemas.microsoft.com/office/powerpoint/2010/main" val="2284147550"/>
+      </p:ext>
+    </p:extLst>
+  </p:cSld>
+  <p:clrMapOvr>
+    <a:masterClrMapping/>
+  </p:clrMapOvr>
+  <p:timing>
+    <p:tnLst>
+      <p:par>
+        <p:cTn id="1" dur="indefinite" restart="never" nodeType="tmRoot"/>
+      </p:par>
+    </p:tnLst>
+  </p:timing>
+</p:sld>
+</file>
+
+<file path=ppt/slides/slide8.xml><?xml version="1.0" encoding="utf-8"?>
+<p:sld xmlns:a="http://schemas.openxmlformats.org/drawingml/2006/main" xmlns:r="http://schemas.openxmlformats.org/officeDocument/2006/relationships" xmlns:p="http://schemas.openxmlformats.org/presentationml/2006/main">
+  <p:cSld>
+    <p:spTree>
+      <p:nvGrpSpPr>
+        <p:cNvPr id="1" name=""/>
+        <p:cNvGrpSpPr/>
+        <p:nvPr/>
+      </p:nvGrpSpPr>
+      <p:grpSpPr>
+        <a:xfrm>
+          <a:off x="0" y="0"/>
+          <a:ext cx="0" cy="0"/>
+          <a:chOff x="0" y="0"/>
+          <a:chExt cx="0" cy="0"/>
+        </a:xfrm>
+      </p:grpSpPr>
+      <p:sp>
+        <p:nvSpPr>
+          <p:cNvPr id="2" name="Content Placeholder 1"/>
+          <p:cNvSpPr>
+            <a:spLocks noGrp="1"/>
+          </p:cNvSpPr>
+          <p:nvPr>
+            <p:ph sz="quarter" idx="13"/>
+          </p:nvPr>
+        </p:nvSpPr>
+        <p:spPr>
+          <a:xfrm>
+            <a:off x="1033272" y="1219200"/>
+            <a:ext cx="4681728" cy="4953000"/>
+          </a:xfrm>
+        </p:spPr>
+        <p:txBody>
+          <a:bodyPr>
+            <a:normAutofit/>
+          </a:bodyPr>
+          <a:lstStyle/>
+          <a:p>
+            <a:r>
+              <a:rPr lang="en-US" dirty="0" smtClean="0"/>
+              <a:t>Great time to invest in web skills</a:t>
+            </a:r>
+          </a:p>
+          <a:p>
+            <a:pPr lvl="1"/>
+            <a:r>
+              <a:rPr lang="en-US" dirty="0" smtClean="0"/>
+              <a:t>Multitude of devices</a:t>
+            </a:r>
+          </a:p>
+          <a:p>
+            <a:pPr lvl="1"/>
+            <a:r>
+              <a:rPr lang="en-US" dirty="0" smtClean="0"/>
+              <a:t>Significant Adobe-backed investments</a:t>
+            </a:r>
+          </a:p>
+          <a:p>
+            <a:pPr lvl="1"/>
+            <a:endParaRPr lang="en-US" dirty="0" smtClean="0"/>
+          </a:p>
+          <a:p>
+            <a:r>
+              <a:rPr lang="en-US" dirty="0" smtClean="0"/>
+              <a:t>Better and better tooling:</a:t>
+            </a:r>
+          </a:p>
+          <a:p>
+            <a:pPr lvl="1"/>
+            <a:r>
+              <a:rPr lang="en-US" dirty="0" smtClean="0">
+                <a:hlinkClick r:id="rId2"/>
+              </a:rPr>
+              <a:t>PhoneGap Developer App</a:t>
+            </a:r>
+            <a:endParaRPr lang="en-US" dirty="0" smtClean="0"/>
+          </a:p>
+          <a:p>
+            <a:pPr lvl="1"/>
+            <a:r>
+              <a:rPr lang="en-US" dirty="0" smtClean="0">
+                <a:hlinkClick r:id="rId3"/>
+              </a:rPr>
+              <a:t>Brackets</a:t>
+            </a:r>
+            <a:endParaRPr lang="en-US" dirty="0" smtClean="0"/>
+          </a:p>
+          <a:p>
+            <a:endParaRPr lang="en-US" dirty="0" smtClean="0"/>
+          </a:p>
+          <a:p>
+            <a:r>
+              <a:rPr lang="en-US" dirty="0" smtClean="0"/>
+              <a:t>Buy at least one test device</a:t>
+            </a:r>
+          </a:p>
+          <a:p>
+            <a:pPr lvl="1"/>
+            <a:r>
+              <a:rPr lang="en-US" dirty="0" smtClean="0"/>
+              <a:t>Hint: Start with your own phone!</a:t>
+            </a:r>
+          </a:p>
+          <a:p>
+            <a:pPr lvl="1"/>
+            <a:endParaRPr lang="en-US" dirty="0" smtClean="0"/>
+          </a:p>
+          <a:p>
+            <a:r>
+              <a:rPr lang="en-US" dirty="0" smtClean="0"/>
+              <a:t>Kendo UI Mobile</a:t>
+            </a:r>
+          </a:p>
+          <a:p>
+            <a:pPr lvl="1"/>
+            <a:r>
+              <a:rPr lang="en-US" dirty="0" smtClean="0"/>
+              <a:t>For designers and non-designers alike!</a:t>
+            </a:r>
+            <a:endParaRPr lang="en-US" dirty="0"/>
+          </a:p>
+        </p:txBody>
+      </p:sp>
+      <p:sp>
+        <p:nvSpPr>
+          <p:cNvPr id="3" name="Title 2"/>
+          <p:cNvSpPr>
+            <a:spLocks noGrp="1"/>
+          </p:cNvSpPr>
+          <p:nvPr>
+            <p:ph type="title"/>
+          </p:nvPr>
+        </p:nvSpPr>
+        <p:spPr>
+          <a:xfrm>
+            <a:off x="2133600" y="152400"/>
+            <a:ext cx="5486400" cy="660400"/>
+          </a:xfrm>
+        </p:spPr>
+        <p:txBody>
+          <a:bodyPr>
+            <a:noAutofit/>
+          </a:bodyPr>
+          <a:lstStyle/>
+          <a:p>
+            <a:r>
+              <a:rPr lang="en-US" sz="2500" dirty="0" smtClean="0"/>
+              <a:t>Conclusion / thoughts</a:t>
+            </a:r>
+            <a:endParaRPr lang="en-US" sz="2500" dirty="0"/>
+          </a:p>
+        </p:txBody>
+      </p:sp>
+    </p:spTree>
+    <p:extLst>
+      <p:ext uri="{BB962C8B-B14F-4D97-AF65-F5344CB8AC3E}">
+        <p14:creationId xmlns:p14="http://schemas.microsoft.com/office/powerpoint/2010/main" val="952258492"/>
+      </p:ext>
+    </p:extLst>
+  </p:cSld>
+  <p:clrMapOvr>
+    <a:masterClrMapping/>
+  </p:clrMapOvr>
+  <p:timing>
+    <p:tnLst>
+      <p:par>
+        <p:cTn id="1" dur="indefinite" restart="never" nodeType="tmRoot"/>
+      </p:par>
+    </p:tnLst>
+  </p:timing>
+</p:sld>
+</file>
+
+<file path=ppt/slides/slide9.xml><?xml version="1.0" encoding="utf-8"?>
+<p:sld xmlns:a="http://schemas.openxmlformats.org/drawingml/2006/main" xmlns:r="http://schemas.openxmlformats.org/officeDocument/2006/relationships" xmlns:p="http://schemas.openxmlformats.org/presentationml/2006/main">
+  <p:cSld>
+    <p:spTree>
+      <p:nvGrpSpPr>
+        <p:cNvPr id="1" name=""/>
+        <p:cNvGrpSpPr/>
+        <p:nvPr/>
+      </p:nvGrpSpPr>
+      <p:grpSpPr>
+        <a:xfrm>
+          <a:off x="0" y="0"/>
+          <a:ext cx="0" cy="0"/>
+          <a:chOff x="0" y="0"/>
+          <a:chExt cx="0" cy="0"/>
+        </a:xfrm>
+      </p:grpSpPr>
+      <p:sp>
+        <p:nvSpPr>
+          <p:cNvPr id="2" name="Title 1"/>
+          <p:cNvSpPr>
+            <a:spLocks noGrp="1"/>
+          </p:cNvSpPr>
+          <p:nvPr>
+            <p:ph type="ctrTitle"/>
+          </p:nvPr>
+        </p:nvSpPr>
+        <p:spPr>
+          <a:xfrm>
+            <a:off x="1676400" y="304800"/>
+            <a:ext cx="6172199" cy="1295400"/>
+          </a:xfrm>
+        </p:spPr>
+        <p:txBody>
+          <a:bodyPr/>
+          <a:lstStyle/>
+          <a:p>
+            <a:r>
+              <a:rPr lang="en-US" dirty="0" smtClean="0"/>
+              <a:t>Thank you!</a:t>
+            </a:r>
+            <a:endParaRPr lang="en-US" dirty="0"/>
+          </a:p>
+        </p:txBody>
+      </p:sp>
+      <p:sp>
+        <p:nvSpPr>
+          <p:cNvPr id="5" name="TextBox 4"/>
+          <p:cNvSpPr txBox="1"/>
+          <p:nvPr/>
+        </p:nvSpPr>
+        <p:spPr>
+          <a:xfrm>
+            <a:off x="4572000" y="2286000"/>
+            <a:ext cx="4343400" cy="3046988"/>
+          </a:xfrm>
+          <a:prstGeom prst="rect">
+            <a:avLst/>
+          </a:prstGeom>
+          <a:noFill/>
+        </p:spPr>
+        <p:txBody>
+          <a:bodyPr wrap="square" rtlCol="0">
+            <a:spAutoFit/>
+          </a:bodyPr>
+          <a:lstStyle/>
+          <a:p>
+            <a:r>
+              <a:rPr lang="en-US" sz="2400" dirty="0" smtClean="0"/>
+              <a:t>Matt </a:t>
+            </a:r>
+            <a:r>
+              <a:rPr lang="en-US" sz="2400" dirty="0" err="1" smtClean="0"/>
+              <a:t>Netkow</a:t>
+            </a:r>
+            <a:endParaRPr lang="en-US" sz="2400" dirty="0" smtClean="0"/>
+          </a:p>
+          <a:p>
+            <a:r>
+              <a:rPr lang="en-US" sz="2400" dirty="0" smtClean="0"/>
+              <a:t>Developer/Founder, </a:t>
+            </a:r>
+            <a:r>
+              <a:rPr lang="en-US" sz="2400" dirty="0" err="1" smtClean="0"/>
+              <a:t>Netkosoft</a:t>
+            </a:r>
+            <a:endParaRPr lang="en-US" sz="2400" dirty="0" smtClean="0"/>
+          </a:p>
+          <a:p>
+            <a:endParaRPr lang="en-US" sz="2400" dirty="0"/>
+          </a:p>
+          <a:p>
+            <a:r>
+              <a:rPr lang="en-US" sz="2400" dirty="0" smtClean="0"/>
+              <a:t>www.netkow.com</a:t>
+            </a:r>
+          </a:p>
+          <a:p>
+            <a:r>
+              <a:rPr lang="en-US" sz="2400" dirty="0" smtClean="0">
+                <a:hlinkClick r:id="rId2"/>
+              </a:rPr>
+              <a:t>@</a:t>
+            </a:r>
+            <a:r>
+              <a:rPr lang="en-US" sz="2400" dirty="0" err="1" smtClean="0">
+                <a:hlinkClick r:id="rId2"/>
+              </a:rPr>
+              <a:t>dotNetkow</a:t>
+            </a:r>
+            <a:endParaRPr lang="en-US" sz="2400" dirty="0" smtClean="0"/>
+          </a:p>
+          <a:p>
+            <a:r>
+              <a:rPr lang="en-US" sz="2400" dirty="0" smtClean="0"/>
+              <a:t>matt.netkow@gmail.com</a:t>
+            </a:r>
+          </a:p>
+          <a:p>
+            <a:endParaRPr lang="en-US" sz="2400" dirty="0" smtClean="0"/>
+          </a:p>
+          <a:p>
+            <a:r>
+              <a:rPr lang="en-US" sz="2400" dirty="0" smtClean="0">
+                <a:hlinkClick r:id="rId3"/>
+              </a:rPr>
+              <a:t>PhoneGap Blog Guest post</a:t>
+            </a:r>
+            <a:endParaRPr lang="en-US" sz="2400" dirty="0"/>
+          </a:p>
+        </p:txBody>
+      </p:sp>
+      <p:pic>
+        <p:nvPicPr>
+          <p:cNvPr id="1026" name="Picture 2" descr="Matthew Netkow"/>
+          <p:cNvPicPr>
+            <a:picLocks noChangeAspect="1" noChangeArrowheads="1"/>
+          </p:cNvPicPr>
+          <p:nvPr/>
+        </p:nvPicPr>
+        <p:blipFill>
+          <a:blip r:embed="rId4">
+            <a:extLst>
+              <a:ext uri="{28A0092B-C50C-407E-A947-70E740481C1C}">
+                <a14:useLocalDpi xmlns:a14="http://schemas.microsoft.com/office/drawing/2010/main" val="0"/>
+              </a:ext>
+            </a:extLst>
+          </a:blip>
+          <a:srcRect/>
+          <a:stretch>
+            <a:fillRect/>
+          </a:stretch>
+        </p:blipFill>
+        <p:spPr bwMode="auto">
+          <a:xfrm>
+            <a:off x="1066800" y="2286000"/>
+            <a:ext cx="2895600" cy="2895600"/>
+          </a:xfrm>
+          <a:prstGeom prst="rect">
+            <a:avLst/>
+          </a:prstGeom>
+          <a:noFill/>
+          <a:extLst>
+            <a:ext uri="{909E8E84-426E-40DD-AFC4-6F175D3DCCD1}">
+              <a14:hiddenFill xmlns:a14="http://schemas.microsoft.com/office/drawing/2010/main">
+                <a:solidFill>
+                  <a:srgbClr val="FFFFFF"/>
+                </a:solidFill>
+              </a14:hiddenFill>
+            </a:ext>
+          </a:extLst>
+        </p:spPr>
+      </p:pic>
+    </p:spTree>
+    <p:extLst>
+      <p:ext uri="{BB962C8B-B14F-4D97-AF65-F5344CB8AC3E}">
+        <p14:creationId xmlns:p14="http://schemas.microsoft.com/office/powerpoint/2010/main" val="3645205415"/>
       </p:ext>
     </p:extLst>
   </p:cSld>
